--- a/Apresentação Ifood.pptx
+++ b/Apresentação Ifood.pptx
@@ -284,7 +284,7 @@
           <a:p>
             <a:fld id="{79C5A860-F335-4252-AA00-24FB67ED2982}" type="datetime1">
               <a:rPr lang="en-US" smtClean="0"/>
-              <a:t>6/1/2023</a:t>
+              <a:t>6/6/2023</a:t>
             </a:fld>
             <a:endParaRPr lang="en-US"/>
           </a:p>
@@ -483,7 +483,7 @@
           <a:p>
             <a:fld id="{46AB1048-0047-48CA-88BA-D69B470942CF}" type="datetime1">
               <a:rPr lang="en-US" smtClean="0"/>
-              <a:t>6/1/2023</a:t>
+              <a:t>6/6/2023</a:t>
             </a:fld>
             <a:endParaRPr lang="en-US"/>
           </a:p>
@@ -693,7 +693,7 @@
           <a:p>
             <a:fld id="{5BD83879-648C-49A9-81A2-0EF5946532D0}" type="datetime1">
               <a:rPr lang="en-US" smtClean="0"/>
-              <a:t>6/1/2023</a:t>
+              <a:t>6/6/2023</a:t>
             </a:fld>
             <a:endParaRPr lang="en-US"/>
           </a:p>
@@ -891,7 +891,7 @@
           <a:p>
             <a:fld id="{D04BC802-30E3-4658-9CCA-F873646FEC67}" type="datetime1">
               <a:rPr lang="en-US" smtClean="0"/>
-              <a:t>6/1/2023</a:t>
+              <a:t>6/6/2023</a:t>
             </a:fld>
             <a:endParaRPr lang="en-US"/>
           </a:p>
@@ -1169,7 +1169,7 @@
           <a:p>
             <a:fld id="{0AB227A3-19CE-4153-81CE-64EB7AB094B3}" type="datetime1">
               <a:rPr lang="en-US" smtClean="0"/>
-              <a:t>6/1/2023</a:t>
+              <a:t>6/6/2023</a:t>
             </a:fld>
             <a:endParaRPr lang="en-US"/>
           </a:p>
@@ -1436,7 +1436,7 @@
           <a:p>
             <a:fld id="{B819A100-10F6-477E-8847-29D479EF1C92}" type="datetime1">
               <a:rPr lang="en-US" smtClean="0"/>
-              <a:t>6/1/2023</a:t>
+              <a:t>6/6/2023</a:t>
             </a:fld>
             <a:endParaRPr lang="en-US"/>
           </a:p>
@@ -1850,7 +1850,7 @@
           <a:p>
             <a:fld id="{5DF128AB-198A-495F-8475-FDB360C9873F}" type="datetime1">
               <a:rPr lang="en-US" smtClean="0"/>
-              <a:t>6/1/2023</a:t>
+              <a:t>6/6/2023</a:t>
             </a:fld>
             <a:endParaRPr lang="en-US"/>
           </a:p>
@@ -1991,7 +1991,7 @@
           <a:p>
             <a:fld id="{021A235E-F8FD-479F-9FC7-18BE84110877}" type="datetime1">
               <a:rPr lang="en-US" smtClean="0"/>
-              <a:t>6/1/2023</a:t>
+              <a:t>6/6/2023</a:t>
             </a:fld>
             <a:endParaRPr lang="en-US"/>
           </a:p>
@@ -2104,7 +2104,7 @@
           <a:p>
             <a:fld id="{E890F09B-68DA-462E-9DB4-4C9ADAB8CBCC}" type="datetime1">
               <a:rPr lang="en-US" smtClean="0"/>
-              <a:t>6/1/2023</a:t>
+              <a:t>6/6/2023</a:t>
             </a:fld>
             <a:endParaRPr lang="en-US"/>
           </a:p>
@@ -2423,7 +2423,7 @@
           <a:p>
             <a:fld id="{17AC4E36-FABE-47EB-AA7F-C19A93824617}" type="datetime1">
               <a:rPr lang="en-US" smtClean="0"/>
-              <a:t>6/1/2023</a:t>
+              <a:t>6/6/2023</a:t>
             </a:fld>
             <a:endParaRPr lang="en-US"/>
           </a:p>
@@ -2719,7 +2719,7 @@
           <a:p>
             <a:fld id="{F199CE6B-5DE6-4A2D-B72E-5E8969F9F56F}" type="datetime1">
               <a:rPr lang="en-US" smtClean="0"/>
-              <a:t>6/1/2023</a:t>
+              <a:t>6/6/2023</a:t>
             </a:fld>
             <a:endParaRPr lang="en-US"/>
           </a:p>
@@ -3580,7 +3580,7 @@
           <a:p>
             <a:fld id="{F481A142-DA77-4A5F-AD1F-14E6C18F0F5F}" type="datetime1">
               <a:rPr lang="en-US" smtClean="0"/>
-              <a:t>6/1/2023</a:t>
+              <a:t>6/6/2023</a:t>
             </a:fld>
             <a:endParaRPr lang="en-US"/>
           </a:p>
@@ -4214,17 +4214,21 @@
           <a:lstStyle/>
           <a:p>
             <a:r>
-              <a:rPr lang="pt-BR"/>
-              <a:t>Diones Gouvea da Silva</a:t>
-            </a:r>
-          </a:p>
-          <a:p>
-            <a:endParaRPr lang="pt-BR"/>
-          </a:p>
-          <a:p>
-            <a:r>
-              <a:rPr lang="pt-BR"/>
-              <a:t>Julho 2023</a:t>
+              <a:rPr lang="pt-BR" dirty="0" err="1"/>
+              <a:t>Diones</a:t>
+            </a:r>
+            <a:r>
+              <a:rPr lang="pt-BR" dirty="0"/>
+              <a:t> Gouvea da Silva</a:t>
+            </a:r>
+          </a:p>
+          <a:p>
+            <a:endParaRPr lang="pt-BR" dirty="0"/>
+          </a:p>
+          <a:p>
+            <a:r>
+              <a:rPr lang="pt-BR" dirty="0"/>
+              <a:t>Junho 2023</a:t>
             </a:r>
           </a:p>
         </p:txBody>
@@ -12924,15 +12928,6 @@
 </file>
 
 <file path=customXml/item1.xml><?xml version="1.0" encoding="utf-8"?>
-<?mso-contentType ?>
-<FormTemplates xmlns="http://schemas.microsoft.com/sharepoint/v3/contenttype/forms">
-  <Display>DocumentLibraryForm</Display>
-  <Edit>DocumentLibraryForm</Edit>
-  <New>DocumentLibraryForm</New>
-</FormTemplates>
-</file>
-
-<file path=customXml/item2.xml><?xml version="1.0" encoding="utf-8"?>
 <ct:contentTypeSchema xmlns:ct="http://schemas.microsoft.com/office/2006/metadata/contentType" xmlns:ma="http://schemas.microsoft.com/office/2006/metadata/properties/metaAttributes" ct:_="" ma:_="" ma:contentTypeName="Document" ma:contentTypeID="0x01010053B322872A73304B9BB5CA3A00AEC221" ma:contentTypeVersion="2" ma:contentTypeDescription="Create a new document." ma:contentTypeScope="" ma:versionID="c7f660c366114b34dac3177c3b5a6799">
   <xsd:schema xmlns:xsd="http://www.w3.org/2001/XMLSchema" xmlns:xs="http://www.w3.org/2001/XMLSchema" xmlns:p="http://schemas.microsoft.com/office/2006/metadata/properties" xmlns:ns3="fd57773c-274c-4313-8f41-30a2811cd40b" targetNamespace="http://schemas.microsoft.com/office/2006/metadata/properties" ma:root="true" ma:fieldsID="035a7fe48c183e01dab9c4059c8b5585" ns3:_="">
     <xsd:import namespace="fd57773c-274c-4313-8f41-30a2811cd40b"/>
@@ -13064,6 +13059,15 @@
 </ct:contentTypeSchema>
 </file>
 
+<file path=customXml/item2.xml><?xml version="1.0" encoding="utf-8"?>
+<?mso-contentType ?>
+<FormTemplates xmlns="http://schemas.microsoft.com/sharepoint/v3/contenttype/forms">
+  <Display>DocumentLibraryForm</Display>
+  <Edit>DocumentLibraryForm</Edit>
+  <New>DocumentLibraryForm</New>
+</FormTemplates>
+</file>
+
 <file path=customXml/item3.xml><?xml version="1.0" encoding="utf-8"?>
 <p:properties xmlns:p="http://schemas.microsoft.com/office/2006/metadata/properties" xmlns:xsi="http://www.w3.org/2001/XMLSchema-instance" xmlns:pc="http://schemas.microsoft.com/office/infopath/2007/PartnerControls">
   <documentManagement/>
@@ -13071,14 +13075,6 @@
 </file>
 
 <file path=customXml/itemProps1.xml><?xml version="1.0" encoding="utf-8"?>
-<ds:datastoreItem xmlns:ds="http://schemas.openxmlformats.org/officeDocument/2006/customXml" ds:itemID="{91685B3F-C2F9-48E5-986A-0CE9CB797532}">
-  <ds:schemaRefs>
-    <ds:schemaRef ds:uri="http://schemas.microsoft.com/sharepoint/v3/contenttype/forms"/>
-  </ds:schemaRefs>
-</ds:datastoreItem>
-</file>
-
-<file path=customXml/itemProps2.xml><?xml version="1.0" encoding="utf-8"?>
 <ds:datastoreItem xmlns:ds="http://schemas.openxmlformats.org/officeDocument/2006/customXml" ds:itemID="{5B831F32-6358-4236-BEEE-6FFEC3E3F138}">
   <ds:schemaRefs>
     <ds:schemaRef ds:uri="http://schemas.microsoft.com/office/2006/metadata/contentType"/>
@@ -13092,6 +13088,14 @@
     <ds:schemaRef ds:uri="http://purl.org/dc/elements/1.1/"/>
     <ds:schemaRef ds:uri="http://purl.org/dc/terms/"/>
     <ds:schemaRef ds:uri="http://schemas.microsoft.com/internal/obd"/>
+  </ds:schemaRefs>
+</ds:datastoreItem>
+</file>
+
+<file path=customXml/itemProps2.xml><?xml version="1.0" encoding="utf-8"?>
+<ds:datastoreItem xmlns:ds="http://schemas.openxmlformats.org/officeDocument/2006/customXml" ds:itemID="{91685B3F-C2F9-48E5-986A-0CE9CB797532}">
+  <ds:schemaRefs>
+    <ds:schemaRef ds:uri="http://schemas.microsoft.com/sharepoint/v3/contenttype/forms"/>
   </ds:schemaRefs>
 </ds:datastoreItem>
 </file>

--- a/Apresentação Ifood.pptx
+++ b/Apresentação Ifood.pptx
@@ -10,15 +10,16 @@
     <p:sldId id="258" r:id="rId7"/>
     <p:sldId id="259" r:id="rId8"/>
     <p:sldId id="261" r:id="rId9"/>
-    <p:sldId id="260" r:id="rId10"/>
-    <p:sldId id="262" r:id="rId11"/>
-    <p:sldId id="264" r:id="rId12"/>
-    <p:sldId id="265" r:id="rId13"/>
-    <p:sldId id="266" r:id="rId14"/>
-    <p:sldId id="267" r:id="rId15"/>
-    <p:sldId id="268" r:id="rId16"/>
-    <p:sldId id="269" r:id="rId17"/>
-    <p:sldId id="270" r:id="rId18"/>
+    <p:sldId id="271" r:id="rId10"/>
+    <p:sldId id="260" r:id="rId11"/>
+    <p:sldId id="262" r:id="rId12"/>
+    <p:sldId id="264" r:id="rId13"/>
+    <p:sldId id="265" r:id="rId14"/>
+    <p:sldId id="266" r:id="rId15"/>
+    <p:sldId id="267" r:id="rId16"/>
+    <p:sldId id="268" r:id="rId17"/>
+    <p:sldId id="269" r:id="rId18"/>
+    <p:sldId id="270" r:id="rId19"/>
   </p:sldIdLst>
   <p:sldSz cx="12192000" cy="6858000"/>
   <p:notesSz cx="6858000" cy="9144000"/>
@@ -4697,10 +4698,10 @@
       </p:pic>
       <p:pic>
         <p:nvPicPr>
-          <p:cNvPr id="3" name="Imagem 2" descr="Gráfico&#10;&#10;Descrição gerada automaticamente">
-            <a:extLst>
-              <a:ext uri="{FF2B5EF4-FFF2-40B4-BE49-F238E27FC236}">
-                <a16:creationId xmlns:a16="http://schemas.microsoft.com/office/drawing/2014/main" id="{92503BB2-3E15-9025-2946-8EA8E17C56E4}"/>
+          <p:cNvPr id="4" name="Imagem 3" descr="Gráfico&#10;&#10;Descrição gerada automaticamente">
+            <a:extLst>
+              <a:ext uri="{FF2B5EF4-FFF2-40B4-BE49-F238E27FC236}">
+                <a16:creationId xmlns:a16="http://schemas.microsoft.com/office/drawing/2014/main" id="{8CE04AB9-7C57-E0B7-3CA9-1A316EAEE68D}"/>
               </a:ext>
             </a:extLst>
           </p:cNvPr>
@@ -4723,8 +4724,8 @@
         </p:blipFill>
         <p:spPr>
           <a:xfrm>
-            <a:off x="3965146" y="1134544"/>
-            <a:ext cx="7560296" cy="5631649"/>
+            <a:off x="4003456" y="1140642"/>
+            <a:ext cx="8016921" cy="5418389"/>
           </a:xfrm>
           <a:prstGeom prst="rect">
             <a:avLst/>
@@ -4733,10 +4734,10 @@
       </p:pic>
       <p:sp>
         <p:nvSpPr>
-          <p:cNvPr id="4" name="CaixaDeTexto 3">
-            <a:extLst>
-              <a:ext uri="{FF2B5EF4-FFF2-40B4-BE49-F238E27FC236}">
-                <a16:creationId xmlns:a16="http://schemas.microsoft.com/office/drawing/2014/main" id="{E8DC1041-889F-B04A-680D-A06DA9D997FF}"/>
+          <p:cNvPr id="6" name="CaixaDeTexto 5">
+            <a:extLst>
+              <a:ext uri="{FF2B5EF4-FFF2-40B4-BE49-F238E27FC236}">
+                <a16:creationId xmlns:a16="http://schemas.microsoft.com/office/drawing/2014/main" id="{34ABA6CE-4C35-D2D2-624F-3383D8237312}"/>
               </a:ext>
             </a:extLst>
           </p:cNvPr>
@@ -4745,7 +4746,7 @@
         </p:nvSpPr>
         <p:spPr>
           <a:xfrm>
-            <a:off x="3947097" y="765212"/>
+            <a:off x="3915994" y="657007"/>
             <a:ext cx="5411755" cy="369332"/>
           </a:xfrm>
           <a:prstGeom prst="rect">
@@ -4760,22 +4761,18 @@
           <a:lstStyle/>
           <a:p>
             <a:r>
-              <a:rPr lang="pt-BR" b="1" dirty="0" err="1"/>
-              <a:t>Recency</a:t>
-            </a:r>
-            <a:r>
               <a:rPr lang="pt-BR" b="1" dirty="0"/>
-              <a:t> x Aquisição do produto </a:t>
+              <a:t>Data de cadastro x Aquisição do produto</a:t>
             </a:r>
           </a:p>
         </p:txBody>
       </p:sp>
       <p:pic>
         <p:nvPicPr>
-          <p:cNvPr id="9" name="Espaço Reservado para Conteúdo 4" descr="Logotipo&#10;&#10;Descrição gerada automaticamente com confiança média">
-            <a:extLst>
-              <a:ext uri="{FF2B5EF4-FFF2-40B4-BE49-F238E27FC236}">
-                <a16:creationId xmlns:a16="http://schemas.microsoft.com/office/drawing/2014/main" id="{1F5418A5-62CA-8734-21BE-122C52299184}"/>
+          <p:cNvPr id="10" name="Espaço Reservado para Conteúdo 4" descr="Logotipo&#10;&#10;Descrição gerada automaticamente com confiança média">
+            <a:extLst>
+              <a:ext uri="{FF2B5EF4-FFF2-40B4-BE49-F238E27FC236}">
+                <a16:creationId xmlns:a16="http://schemas.microsoft.com/office/drawing/2014/main" id="{F7E71799-0602-3B92-011D-2F555FA7F6F0}"/>
               </a:ext>
             </a:extLst>
           </p:cNvPr>
@@ -4875,10 +4872,10 @@
       </p:pic>
       <p:pic>
         <p:nvPicPr>
-          <p:cNvPr id="10" name="Imagem 9">
-            <a:extLst>
-              <a:ext uri="{FF2B5EF4-FFF2-40B4-BE49-F238E27FC236}">
-                <a16:creationId xmlns:a16="http://schemas.microsoft.com/office/drawing/2014/main" id="{C71A8EB1-EEF3-EDD7-3E19-A7775C83FC05}"/>
+          <p:cNvPr id="12" name="Imagem 11">
+            <a:extLst>
+              <a:ext uri="{FF2B5EF4-FFF2-40B4-BE49-F238E27FC236}">
+                <a16:creationId xmlns:a16="http://schemas.microsoft.com/office/drawing/2014/main" id="{CFA29C9B-95C4-9DCD-3151-0FD8D0517CEB}"/>
               </a:ext>
             </a:extLst>
           </p:cNvPr>
@@ -5028,7 +5025,7 @@
     </p:spTree>
     <p:extLst>
       <p:ext uri="{BB962C8B-B14F-4D97-AF65-F5344CB8AC3E}">
-        <p14:creationId xmlns:p14="http://schemas.microsoft.com/office/powerpoint/2010/main" val="1283396313"/>
+        <p14:creationId xmlns:p14="http://schemas.microsoft.com/office/powerpoint/2010/main" val="2155083292"/>
       </p:ext>
     </p:extLst>
   </p:cSld>
@@ -5216,198 +5213,12 @@
           </a:prstGeom>
         </p:spPr>
       </p:pic>
-      <p:sp>
-        <p:nvSpPr>
-          <p:cNvPr id="9" name="Rolagem: Vertical 8">
-            <a:extLst>
-              <a:ext uri="{FF2B5EF4-FFF2-40B4-BE49-F238E27FC236}">
-                <a16:creationId xmlns:a16="http://schemas.microsoft.com/office/drawing/2014/main" id="{5920B00C-5AC3-18FA-ED63-8D9EC04AF076}"/>
-              </a:ext>
-            </a:extLst>
-          </p:cNvPr>
-          <p:cNvSpPr/>
-          <p:nvPr/>
-        </p:nvSpPr>
-        <p:spPr>
-          <a:xfrm>
-            <a:off x="7268308" y="1758569"/>
-            <a:ext cx="4667018" cy="4525010"/>
-          </a:xfrm>
-          <a:prstGeom prst="verticalScroll">
-            <a:avLst/>
-          </a:prstGeom>
-          <a:solidFill>
-            <a:srgbClr val="FF001B"/>
-          </a:solidFill>
-        </p:spPr>
-        <p:style>
-          <a:lnRef idx="2">
-            <a:schemeClr val="accent1">
-              <a:shade val="50000"/>
-            </a:schemeClr>
-          </a:lnRef>
-          <a:fillRef idx="1">
-            <a:schemeClr val="accent1"/>
-          </a:fillRef>
-          <a:effectRef idx="0">
-            <a:schemeClr val="accent1"/>
-          </a:effectRef>
-          <a:fontRef idx="minor">
-            <a:schemeClr val="lt1"/>
-          </a:fontRef>
-        </p:style>
-        <p:txBody>
-          <a:bodyPr rtlCol="0" anchor="ctr"/>
-          <a:lstStyle/>
-          <a:p>
-            <a:pPr marL="285750" indent="-285750">
-              <a:buFont typeface="Arial" panose="020B0604020202020204" pitchFamily="34" charset="0"/>
-              <a:buChar char="•"/>
-            </a:pPr>
-            <a:r>
-              <a:rPr lang="pt-BR" sz="1800" b="1" dirty="0"/>
-              <a:t>Casado </a:t>
-            </a:r>
-          </a:p>
-          <a:p>
-            <a:pPr marL="285750" indent="-285750">
-              <a:buFont typeface="Arial" panose="020B0604020202020204" pitchFamily="34" charset="0"/>
-              <a:buChar char="•"/>
-            </a:pPr>
-            <a:r>
-              <a:rPr lang="pt-BR" sz="1800" b="1" dirty="0"/>
-              <a:t>Nível Superior</a:t>
-            </a:r>
-          </a:p>
-          <a:p>
-            <a:pPr marL="285750" indent="-285750">
-              <a:buFont typeface="Arial" panose="020B0604020202020204" pitchFamily="34" charset="0"/>
-              <a:buChar char="•"/>
-            </a:pPr>
-            <a:r>
-              <a:rPr lang="pt-BR" sz="1800" b="1" dirty="0"/>
-              <a:t>53 anos</a:t>
-            </a:r>
-          </a:p>
-          <a:p>
-            <a:pPr marL="285750" indent="-285750">
-              <a:buFont typeface="Arial" panose="020B0604020202020204" pitchFamily="34" charset="0"/>
-              <a:buChar char="•"/>
-            </a:pPr>
-            <a:r>
-              <a:rPr lang="pt-BR" sz="1800" b="1" dirty="0"/>
-              <a:t>Sem Filhos</a:t>
-            </a:r>
-          </a:p>
-          <a:p>
-            <a:pPr marL="285750" indent="-285750">
-              <a:buFont typeface="Arial" panose="020B0604020202020204" pitchFamily="34" charset="0"/>
-              <a:buChar char="•"/>
-            </a:pPr>
-            <a:r>
-              <a:rPr lang="pt-BR" sz="1800" b="1" dirty="0"/>
-              <a:t>Renda média 76 mil </a:t>
-            </a:r>
-          </a:p>
-          <a:p>
-            <a:pPr marL="285750" indent="-285750">
-              <a:buFont typeface="Arial" panose="020B0604020202020204" pitchFamily="34" charset="0"/>
-              <a:buChar char="•"/>
-            </a:pPr>
-            <a:r>
-              <a:rPr lang="pt-BR" sz="1800" b="1" dirty="0"/>
-              <a:t>Alta Frequência de compra </a:t>
-            </a:r>
-          </a:p>
-          <a:p>
-            <a:pPr marL="285750" indent="-285750">
-              <a:buFont typeface="Arial" panose="020B0604020202020204" pitchFamily="34" charset="0"/>
-              <a:buChar char="•"/>
-            </a:pPr>
-            <a:r>
-              <a:rPr lang="pt-BR" sz="1800" b="1" dirty="0"/>
-              <a:t>Gasta mais por compra </a:t>
-            </a:r>
-          </a:p>
-          <a:p>
-            <a:pPr marL="285750" indent="-285750">
-              <a:buFont typeface="Arial" panose="020B0604020202020204" pitchFamily="34" charset="0"/>
-              <a:buChar char="•"/>
-            </a:pPr>
-            <a:r>
-              <a:rPr lang="pt-BR" sz="1800" b="1" dirty="0"/>
-              <a:t>Não usa muitos cupons</a:t>
-            </a:r>
-          </a:p>
-          <a:p>
-            <a:pPr marL="285750" indent="-285750">
-              <a:buFont typeface="Arial" panose="020B0604020202020204" pitchFamily="34" charset="0"/>
-              <a:buChar char="•"/>
-            </a:pPr>
-            <a:r>
-              <a:rPr lang="pt-BR" sz="1800" b="1" dirty="0"/>
-              <a:t> </a:t>
-            </a:r>
-          </a:p>
-          <a:p>
-            <a:pPr algn="ctr"/>
-            <a:endParaRPr lang="pt-BR" dirty="0"/>
-          </a:p>
-        </p:txBody>
-      </p:sp>
-      <p:sp>
-        <p:nvSpPr>
-          <p:cNvPr id="10" name="Título 1">
-            <a:extLst>
-              <a:ext uri="{FF2B5EF4-FFF2-40B4-BE49-F238E27FC236}">
-                <a16:creationId xmlns:a16="http://schemas.microsoft.com/office/drawing/2014/main" id="{EE88E5F2-5A75-AA86-3F7B-A42109759DD0}"/>
-              </a:ext>
-            </a:extLst>
-          </p:cNvPr>
-          <p:cNvSpPr>
-            <a:spLocks noGrp="1"/>
-          </p:cNvSpPr>
-          <p:nvPr>
-            <p:ph type="title"/>
-          </p:nvPr>
-        </p:nvSpPr>
-        <p:spPr>
-          <a:xfrm>
-            <a:off x="4268019" y="141412"/>
-            <a:ext cx="6228907" cy="1042737"/>
-          </a:xfrm>
-        </p:spPr>
-        <p:txBody>
-          <a:bodyPr vert="horz" lIns="91440" tIns="45720" rIns="91440" bIns="45720" rtlCol="0" anchor="b">
-            <a:normAutofit/>
-          </a:bodyPr>
-          <a:lstStyle/>
-          <a:p>
-            <a:r>
-              <a:rPr lang="en-US" dirty="0" err="1"/>
-              <a:t>Perfil</a:t>
-            </a:r>
-            <a:r>
-              <a:rPr lang="en-US" dirty="0"/>
-              <a:t> Comprador </a:t>
-            </a:r>
-            <a:endParaRPr lang="en-US" kern="1200" dirty="0">
-              <a:solidFill>
-                <a:schemeClr val="tx1"/>
-              </a:solidFill>
-              <a:latin typeface="+mj-lt"/>
-              <a:ea typeface="+mj-ea"/>
-              <a:cs typeface="+mj-cs"/>
-            </a:endParaRPr>
-          </a:p>
-        </p:txBody>
-      </p:sp>
       <p:pic>
         <p:nvPicPr>
-          <p:cNvPr id="15" name="Imagem 14" descr="Ícone&#10;&#10;Descrição gerada automaticamente">
-            <a:extLst>
-              <a:ext uri="{FF2B5EF4-FFF2-40B4-BE49-F238E27FC236}">
-                <a16:creationId xmlns:a16="http://schemas.microsoft.com/office/drawing/2014/main" id="{6B01602E-79AB-7136-027A-66F7676F3807}"/>
+          <p:cNvPr id="3" name="Imagem 2" descr="Gráfico&#10;&#10;Descrição gerada automaticamente">
+            <a:extLst>
+              <a:ext uri="{FF2B5EF4-FFF2-40B4-BE49-F238E27FC236}">
+                <a16:creationId xmlns:a16="http://schemas.microsoft.com/office/drawing/2014/main" id="{92503BB2-3E15-9025-2946-8EA8E17C56E4}"/>
               </a:ext>
             </a:extLst>
           </p:cNvPr>
@@ -5430,20 +5241,59 @@
         </p:blipFill>
         <p:spPr>
           <a:xfrm>
-            <a:off x="3665823" y="2218031"/>
-            <a:ext cx="4065548" cy="4065548"/>
+            <a:off x="3965146" y="1134544"/>
+            <a:ext cx="7560296" cy="5631649"/>
           </a:xfrm>
           <a:prstGeom prst="rect">
             <a:avLst/>
           </a:prstGeom>
         </p:spPr>
       </p:pic>
+      <p:sp>
+        <p:nvSpPr>
+          <p:cNvPr id="4" name="CaixaDeTexto 3">
+            <a:extLst>
+              <a:ext uri="{FF2B5EF4-FFF2-40B4-BE49-F238E27FC236}">
+                <a16:creationId xmlns:a16="http://schemas.microsoft.com/office/drawing/2014/main" id="{E8DC1041-889F-B04A-680D-A06DA9D997FF}"/>
+              </a:ext>
+            </a:extLst>
+          </p:cNvPr>
+          <p:cNvSpPr txBox="1"/>
+          <p:nvPr/>
+        </p:nvSpPr>
+        <p:spPr>
+          <a:xfrm>
+            <a:off x="3947097" y="765212"/>
+            <a:ext cx="5411755" cy="369332"/>
+          </a:xfrm>
+          <a:prstGeom prst="rect">
+            <a:avLst/>
+          </a:prstGeom>
+          <a:noFill/>
+        </p:spPr>
+        <p:txBody>
+          <a:bodyPr wrap="square" rtlCol="0">
+            <a:spAutoFit/>
+          </a:bodyPr>
+          <a:lstStyle/>
+          <a:p>
+            <a:r>
+              <a:rPr lang="pt-BR" b="1" dirty="0" err="1"/>
+              <a:t>Recency</a:t>
+            </a:r>
+            <a:r>
+              <a:rPr lang="pt-BR" b="1" dirty="0"/>
+              <a:t> x Aquisição do produto </a:t>
+            </a:r>
+          </a:p>
+        </p:txBody>
+      </p:sp>
       <p:pic>
         <p:nvPicPr>
-          <p:cNvPr id="18" name="Espaço Reservado para Conteúdo 4" descr="Logotipo&#10;&#10;Descrição gerada automaticamente com confiança média">
-            <a:extLst>
-              <a:ext uri="{FF2B5EF4-FFF2-40B4-BE49-F238E27FC236}">
-                <a16:creationId xmlns:a16="http://schemas.microsoft.com/office/drawing/2014/main" id="{8B654998-E8B1-ED42-11D6-540BD59A2B90}"/>
+          <p:cNvPr id="9" name="Espaço Reservado para Conteúdo 4" descr="Logotipo&#10;&#10;Descrição gerada automaticamente com confiança média">
+            <a:extLst>
+              <a:ext uri="{FF2B5EF4-FFF2-40B4-BE49-F238E27FC236}">
+                <a16:creationId xmlns:a16="http://schemas.microsoft.com/office/drawing/2014/main" id="{1F5418A5-62CA-8734-21BE-122C52299184}"/>
               </a:ext>
             </a:extLst>
           </p:cNvPr>
@@ -5543,10 +5393,10 @@
       </p:pic>
       <p:pic>
         <p:nvPicPr>
-          <p:cNvPr id="19" name="Imagem 18">
-            <a:extLst>
-              <a:ext uri="{FF2B5EF4-FFF2-40B4-BE49-F238E27FC236}">
-                <a16:creationId xmlns:a16="http://schemas.microsoft.com/office/drawing/2014/main" id="{CC00CFF2-1703-F103-D38B-9124C9E60708}"/>
+          <p:cNvPr id="10" name="Imagem 9">
+            <a:extLst>
+              <a:ext uri="{FF2B5EF4-FFF2-40B4-BE49-F238E27FC236}">
+                <a16:creationId xmlns:a16="http://schemas.microsoft.com/office/drawing/2014/main" id="{C71A8EB1-EEF3-EDD7-3E19-A7775C83FC05}"/>
               </a:ext>
             </a:extLst>
           </p:cNvPr>
@@ -5563,7 +5413,7 @@
               </a:ext>
             </a:extLst>
           </a:blip>
-          <a:srcRect l="5142" r="5142"/>
+          <a:srcRect t="14529" b="14529"/>
           <a:stretch/>
         </p:blipFill>
         <p:spPr>
@@ -5696,7 +5546,7 @@
     </p:spTree>
     <p:extLst>
       <p:ext uri="{BB962C8B-B14F-4D97-AF65-F5344CB8AC3E}">
-        <p14:creationId xmlns:p14="http://schemas.microsoft.com/office/powerpoint/2010/main" val="3189202690"/>
+        <p14:creationId xmlns:p14="http://schemas.microsoft.com/office/powerpoint/2010/main" val="1283396313"/>
       </p:ext>
     </p:extLst>
   </p:cSld>
@@ -5886,453 +5736,10 @@
       </p:pic>
       <p:sp>
         <p:nvSpPr>
-          <p:cNvPr id="4" name="CaixaDeTexto 3">
-            <a:extLst>
-              <a:ext uri="{FF2B5EF4-FFF2-40B4-BE49-F238E27FC236}">
-                <a16:creationId xmlns:a16="http://schemas.microsoft.com/office/drawing/2014/main" id="{E8DC1041-889F-B04A-680D-A06DA9D997FF}"/>
-              </a:ext>
-            </a:extLst>
-          </p:cNvPr>
-          <p:cNvSpPr txBox="1"/>
-          <p:nvPr/>
-        </p:nvSpPr>
-        <p:spPr>
-          <a:xfrm>
-            <a:off x="3334328" y="390548"/>
-            <a:ext cx="5411755" cy="369332"/>
-          </a:xfrm>
-          <a:prstGeom prst="rect">
-            <a:avLst/>
-          </a:prstGeom>
-          <a:noFill/>
-        </p:spPr>
-        <p:txBody>
-          <a:bodyPr wrap="square" rtlCol="0">
-            <a:spAutoFit/>
-          </a:bodyPr>
-          <a:lstStyle/>
-          <a:p>
-            <a:r>
-              <a:rPr lang="pt-BR" b="1" dirty="0"/>
-              <a:t>Modelo</a:t>
-            </a:r>
-          </a:p>
-        </p:txBody>
-      </p:sp>
-      <p:pic>
-        <p:nvPicPr>
-          <p:cNvPr id="9" name="Imagem 8" descr="Tela preta com letras brancas&#10;&#10;Descrição gerada automaticamente">
-            <a:extLst>
-              <a:ext uri="{FF2B5EF4-FFF2-40B4-BE49-F238E27FC236}">
-                <a16:creationId xmlns:a16="http://schemas.microsoft.com/office/drawing/2014/main" id="{835F87E6-68B4-B505-D7AD-B0F556902213}"/>
-              </a:ext>
-            </a:extLst>
-          </p:cNvPr>
-          <p:cNvPicPr>
-            <a:picLocks noChangeAspect="1"/>
-          </p:cNvPicPr>
-          <p:nvPr/>
-        </p:nvPicPr>
-        <p:blipFill>
-          <a:blip r:embed="rId3">
-            <a:extLst>
-              <a:ext uri="{28A0092B-C50C-407E-A947-70E740481C1C}">
-                <a14:useLocalDpi xmlns:a14="http://schemas.microsoft.com/office/drawing/2010/main" val="0"/>
-              </a:ext>
-            </a:extLst>
-          </a:blip>
-          <a:stretch>
-            <a:fillRect/>
-          </a:stretch>
-        </p:blipFill>
-        <p:spPr>
-          <a:xfrm>
-            <a:off x="3334328" y="4266733"/>
-            <a:ext cx="8341943" cy="2353003"/>
-          </a:xfrm>
-          <a:prstGeom prst="rect">
-            <a:avLst/>
-          </a:prstGeom>
-        </p:spPr>
-      </p:pic>
-      <p:pic>
-        <p:nvPicPr>
-          <p:cNvPr id="12" name="Imagem 11">
-            <a:extLst>
-              <a:ext uri="{FF2B5EF4-FFF2-40B4-BE49-F238E27FC236}">
-                <a16:creationId xmlns:a16="http://schemas.microsoft.com/office/drawing/2014/main" id="{E5AC9DAC-36BB-1C27-5631-E44760A9CAA1}"/>
-              </a:ext>
-            </a:extLst>
-          </p:cNvPr>
-          <p:cNvPicPr>
-            <a:picLocks noChangeAspect="1"/>
-          </p:cNvPicPr>
-          <p:nvPr/>
-        </p:nvPicPr>
-        <p:blipFill>
-          <a:blip r:embed="rId4">
-            <a:extLst>
-              <a:ext uri="{28A0092B-C50C-407E-A947-70E740481C1C}">
-                <a14:useLocalDpi xmlns:a14="http://schemas.microsoft.com/office/drawing/2010/main" val="0"/>
-              </a:ext>
-            </a:extLst>
-          </a:blip>
-          <a:srcRect/>
-          <a:stretch/>
-        </p:blipFill>
-        <p:spPr>
-          <a:xfrm>
-            <a:off x="3334328" y="759880"/>
-            <a:ext cx="4553306" cy="3407683"/>
-          </a:xfrm>
-          <a:prstGeom prst="rect">
-            <a:avLst/>
-          </a:prstGeom>
-        </p:spPr>
-      </p:pic>
-      <p:pic>
-        <p:nvPicPr>
-          <p:cNvPr id="13" name="Espaço Reservado para Conteúdo 4" descr="Logotipo&#10;&#10;Descrição gerada automaticamente com confiança média">
-            <a:extLst>
-              <a:ext uri="{FF2B5EF4-FFF2-40B4-BE49-F238E27FC236}">
-                <a16:creationId xmlns:a16="http://schemas.microsoft.com/office/drawing/2014/main" id="{553214DD-78A3-8B81-8A86-A20363B8C4CB}"/>
-              </a:ext>
-            </a:extLst>
-          </p:cNvPr>
-          <p:cNvPicPr>
-            <a:picLocks noChangeAspect="1"/>
-          </p:cNvPicPr>
-          <p:nvPr/>
-        </p:nvPicPr>
-        <p:blipFill rotWithShape="1">
-          <a:blip r:embed="rId5">
-            <a:extLst>
-              <a:ext uri="{28A0092B-C50C-407E-A947-70E740481C1C}">
-                <a14:useLocalDpi xmlns:a14="http://schemas.microsoft.com/office/drawing/2010/main" val="0"/>
-              </a:ext>
-            </a:extLst>
-          </a:blip>
-          <a:srcRect t="12588" r="-2" b="16634"/>
-          <a:stretch/>
-        </p:blipFill>
-        <p:spPr>
-          <a:xfrm>
-            <a:off x="2" y="3407693"/>
-            <a:ext cx="3057234" cy="3450307"/>
-          </a:xfrm>
-          <a:custGeom>
-            <a:avLst/>
-            <a:gdLst/>
-            <a:ahLst/>
-            <a:cxnLst/>
-            <a:rect l="l" t="t" r="r" b="b"/>
-            <a:pathLst>
-              <a:path w="4874885" h="3450307">
-                <a:moveTo>
-                  <a:pt x="4532754" y="1351027"/>
-                </a:moveTo>
-                <a:cubicBezTo>
-                  <a:pt x="4708691" y="1351027"/>
-                  <a:pt x="4851318" y="1493653"/>
-                  <a:pt x="4851318" y="1669590"/>
-                </a:cubicBezTo>
-                <a:cubicBezTo>
-                  <a:pt x="4851318" y="1845527"/>
-                  <a:pt x="4708691" y="1988153"/>
-                  <a:pt x="4532754" y="1988153"/>
-                </a:cubicBezTo>
-                <a:cubicBezTo>
-                  <a:pt x="4356817" y="1988153"/>
-                  <a:pt x="4214192" y="1845527"/>
-                  <a:pt x="4214192" y="1669590"/>
-                </a:cubicBezTo>
-                <a:cubicBezTo>
-                  <a:pt x="4214192" y="1493653"/>
-                  <a:pt x="4356817" y="1351027"/>
-                  <a:pt x="4532754" y="1351027"/>
-                </a:cubicBezTo>
-                <a:close/>
-                <a:moveTo>
-                  <a:pt x="0" y="0"/>
-                </a:moveTo>
-                <a:lnTo>
-                  <a:pt x="4856689" y="0"/>
-                </a:lnTo>
-                <a:lnTo>
-                  <a:pt x="4870434" y="84681"/>
-                </a:lnTo>
-                <a:cubicBezTo>
-                  <a:pt x="4883002" y="213833"/>
-                  <a:pt x="4869945" y="349640"/>
-                  <a:pt x="4818595" y="498581"/>
-                </a:cubicBezTo>
-                <a:cubicBezTo>
-                  <a:pt x="4635545" y="1029670"/>
-                  <a:pt x="4177089" y="1186904"/>
-                  <a:pt x="4130801" y="1581479"/>
-                </a:cubicBezTo>
-                <a:cubicBezTo>
-                  <a:pt x="4074635" y="2056713"/>
-                  <a:pt x="4591392" y="2220122"/>
-                  <a:pt x="4573797" y="2766116"/>
-                </a:cubicBezTo>
-                <a:cubicBezTo>
-                  <a:pt x="4566496" y="2988878"/>
-                  <a:pt x="4471921" y="3227871"/>
-                  <a:pt x="4326108" y="3414524"/>
-                </a:cubicBezTo>
-                <a:lnTo>
-                  <a:pt x="4294346" y="3450307"/>
-                </a:lnTo>
-                <a:lnTo>
-                  <a:pt x="0" y="3450307"/>
-                </a:lnTo>
-                <a:close/>
-              </a:path>
-            </a:pathLst>
-          </a:custGeom>
-        </p:spPr>
-      </p:pic>
-      <p:pic>
-        <p:nvPicPr>
-          <p:cNvPr id="14" name="Imagem 13">
-            <a:extLst>
-              <a:ext uri="{FF2B5EF4-FFF2-40B4-BE49-F238E27FC236}">
-                <a16:creationId xmlns:a16="http://schemas.microsoft.com/office/drawing/2014/main" id="{59799B95-D833-1D89-4A18-7C3AC3668BD6}"/>
-              </a:ext>
-            </a:extLst>
-          </p:cNvPr>
-          <p:cNvPicPr>
-            <a:picLocks noChangeAspect="1"/>
-          </p:cNvPicPr>
-          <p:nvPr/>
-        </p:nvPicPr>
-        <p:blipFill>
-          <a:blip r:embed="rId6">
-            <a:extLst>
-              <a:ext uri="{28A0092B-C50C-407E-A947-70E740481C1C}">
-                <a14:useLocalDpi xmlns:a14="http://schemas.microsoft.com/office/drawing/2010/main" val="0"/>
-              </a:ext>
-            </a:extLst>
-          </a:blip>
-          <a:srcRect l="5142" r="5142"/>
-          <a:stretch/>
-        </p:blipFill>
-        <p:spPr>
-          <a:xfrm>
-            <a:off x="21" y="0"/>
-            <a:ext cx="3057215" cy="3407683"/>
-          </a:xfrm>
-          <a:custGeom>
-            <a:avLst/>
-            <a:gdLst/>
-            <a:ahLst/>
-            <a:cxnLst/>
-            <a:rect l="l" t="t" r="r" b="b"/>
-            <a:pathLst>
-              <a:path w="4863606" h="3450307">
-                <a:moveTo>
-                  <a:pt x="4591342" y="1822824"/>
-                </a:moveTo>
-                <a:cubicBezTo>
-                  <a:pt x="4734922" y="1822824"/>
-                  <a:pt x="4851318" y="1939219"/>
-                  <a:pt x="4851318" y="2082800"/>
-                </a:cubicBezTo>
-                <a:cubicBezTo>
-                  <a:pt x="4851318" y="2226381"/>
-                  <a:pt x="4734922" y="2342776"/>
-                  <a:pt x="4591342" y="2342776"/>
-                </a:cubicBezTo>
-                <a:cubicBezTo>
-                  <a:pt x="4447760" y="2342776"/>
-                  <a:pt x="4331366" y="2226381"/>
-                  <a:pt x="4331366" y="2082800"/>
-                </a:cubicBezTo>
-                <a:cubicBezTo>
-                  <a:pt x="4331366" y="1939219"/>
-                  <a:pt x="4447760" y="1822824"/>
-                  <a:pt x="4591342" y="1822824"/>
-                </a:cubicBezTo>
-                <a:close/>
-                <a:moveTo>
-                  <a:pt x="4548524" y="1354515"/>
-                </a:moveTo>
-                <a:cubicBezTo>
-                  <a:pt x="4640145" y="1354515"/>
-                  <a:pt x="4714417" y="1428787"/>
-                  <a:pt x="4714417" y="1520407"/>
-                </a:cubicBezTo>
-                <a:cubicBezTo>
-                  <a:pt x="4714417" y="1612027"/>
-                  <a:pt x="4640145" y="1686299"/>
-                  <a:pt x="4548524" y="1686299"/>
-                </a:cubicBezTo>
-                <a:cubicBezTo>
-                  <a:pt x="4456904" y="1686299"/>
-                  <a:pt x="4382633" y="1612027"/>
-                  <a:pt x="4382633" y="1520407"/>
-                </a:cubicBezTo>
-                <a:cubicBezTo>
-                  <a:pt x="4382633" y="1428787"/>
-                  <a:pt x="4456904" y="1354515"/>
-                  <a:pt x="4548524" y="1354515"/>
-                </a:cubicBezTo>
-                <a:close/>
-                <a:moveTo>
-                  <a:pt x="0" y="0"/>
-                </a:moveTo>
-                <a:lnTo>
-                  <a:pt x="153671" y="0"/>
-                </a:lnTo>
-                <a:lnTo>
-                  <a:pt x="909477" y="0"/>
-                </a:lnTo>
-                <a:lnTo>
-                  <a:pt x="2112567" y="0"/>
-                </a:lnTo>
-                <a:lnTo>
-                  <a:pt x="2477521" y="0"/>
-                </a:lnTo>
-                <a:lnTo>
-                  <a:pt x="4026565" y="0"/>
-                </a:lnTo>
-                <a:lnTo>
-                  <a:pt x="4318929" y="0"/>
-                </a:lnTo>
-                <a:lnTo>
-                  <a:pt x="4347748" y="26006"/>
-                </a:lnTo>
-                <a:cubicBezTo>
-                  <a:pt x="4576020" y="265828"/>
-                  <a:pt x="4547105" y="605203"/>
-                  <a:pt x="4412376" y="981453"/>
-                </a:cubicBezTo>
-                <a:cubicBezTo>
-                  <a:pt x="4407458" y="994267"/>
-                  <a:pt x="4401397" y="1006625"/>
-                  <a:pt x="4394268" y="1018429"/>
-                </a:cubicBezTo>
-                <a:cubicBezTo>
-                  <a:pt x="4302616" y="1213511"/>
-                  <a:pt x="3914486" y="2128752"/>
-                  <a:pt x="4471063" y="2621388"/>
-                </a:cubicBezTo>
-                <a:cubicBezTo>
-                  <a:pt x="4474502" y="2624417"/>
-                  <a:pt x="4477530" y="2627394"/>
-                  <a:pt x="4480254" y="2630331"/>
-                </a:cubicBezTo>
-                <a:cubicBezTo>
-                  <a:pt x="4539798" y="2687655"/>
-                  <a:pt x="4597630" y="2763073"/>
-                  <a:pt x="4652690" y="2872062"/>
-                </a:cubicBezTo>
-                <a:cubicBezTo>
-                  <a:pt x="4736423" y="3038692"/>
-                  <a:pt x="4812133" y="3197951"/>
-                  <a:pt x="4849792" y="3365199"/>
-                </a:cubicBezTo>
-                <a:lnTo>
-                  <a:pt x="4863606" y="3450307"/>
-                </a:lnTo>
-                <a:lnTo>
-                  <a:pt x="0" y="3450307"/>
-                </a:lnTo>
-                <a:close/>
-              </a:path>
-            </a:pathLst>
-          </a:custGeom>
-        </p:spPr>
-      </p:pic>
-      <p:sp>
-        <p:nvSpPr>
-          <p:cNvPr id="2" name="CaixaDeTexto 1">
-            <a:extLst>
-              <a:ext uri="{FF2B5EF4-FFF2-40B4-BE49-F238E27FC236}">
-                <a16:creationId xmlns:a16="http://schemas.microsoft.com/office/drawing/2014/main" id="{EEFA0B22-811D-F55B-A8BF-2AEC0B1DDFB8}"/>
-              </a:ext>
-            </a:extLst>
-          </p:cNvPr>
-          <p:cNvSpPr txBox="1"/>
-          <p:nvPr/>
-        </p:nvSpPr>
-        <p:spPr>
-          <a:xfrm>
-            <a:off x="7887634" y="859050"/>
-            <a:ext cx="3923366" cy="1477328"/>
-          </a:xfrm>
-          <a:prstGeom prst="rect">
-            <a:avLst/>
-          </a:prstGeom>
-          <a:noFill/>
-        </p:spPr>
-        <p:txBody>
-          <a:bodyPr wrap="square" rtlCol="0">
-            <a:spAutoFit/>
-          </a:bodyPr>
-          <a:lstStyle/>
-          <a:p>
-            <a:pPr marL="285750" indent="-285750">
-              <a:buFont typeface="Arial" panose="020B0604020202020204" pitchFamily="34" charset="0"/>
-              <a:buChar char="•"/>
-            </a:pPr>
-            <a:r>
-              <a:rPr lang="pt-BR" b="1" dirty="0" err="1"/>
-              <a:t>RegressãoLogistica</a:t>
-            </a:r>
-            <a:endParaRPr lang="pt-BR" b="1" dirty="0"/>
-          </a:p>
-          <a:p>
-            <a:pPr marL="285750" indent="-285750">
-              <a:buFont typeface="Arial" panose="020B0604020202020204" pitchFamily="34" charset="0"/>
-              <a:buChar char="•"/>
-            </a:pPr>
-            <a:r>
-              <a:rPr lang="pt-BR" b="1" dirty="0"/>
-              <a:t>Balanceado com </a:t>
-            </a:r>
-            <a:r>
-              <a:rPr lang="pt-BR" b="1" dirty="0" err="1"/>
-              <a:t>ClassWeigths</a:t>
-            </a:r>
-            <a:endParaRPr lang="pt-BR" b="1" dirty="0"/>
-          </a:p>
-          <a:p>
-            <a:pPr marL="285750" indent="-285750">
-              <a:buFont typeface="Arial" panose="020B0604020202020204" pitchFamily="34" charset="0"/>
-              <a:buChar char="•"/>
-            </a:pPr>
-            <a:r>
-              <a:rPr lang="pt-BR" b="1" dirty="0"/>
-              <a:t>Regularização L1</a:t>
-            </a:r>
-          </a:p>
-          <a:p>
-            <a:pPr marL="285750" indent="-285750">
-              <a:buFont typeface="Arial" panose="020B0604020202020204" pitchFamily="34" charset="0"/>
-              <a:buChar char="•"/>
-            </a:pPr>
-            <a:r>
-              <a:rPr lang="pt-BR" b="1" dirty="0" err="1"/>
-              <a:t>Threshold</a:t>
-            </a:r>
-            <a:r>
-              <a:rPr lang="pt-BR" b="1" dirty="0"/>
-              <a:t> 65%</a:t>
-            </a:r>
-          </a:p>
-          <a:p>
-            <a:endParaRPr lang="pt-BR" dirty="0"/>
-          </a:p>
-        </p:txBody>
-      </p:sp>
-      <p:sp>
-        <p:nvSpPr>
-          <p:cNvPr id="3" name="Retângulo 2">
-            <a:extLst>
-              <a:ext uri="{FF2B5EF4-FFF2-40B4-BE49-F238E27FC236}">
-                <a16:creationId xmlns:a16="http://schemas.microsoft.com/office/drawing/2014/main" id="{529635B2-FBAB-2FF4-13E2-4B30ED49533A}"/>
+          <p:cNvPr id="9" name="Rolagem: Vertical 8">
+            <a:extLst>
+              <a:ext uri="{FF2B5EF4-FFF2-40B4-BE49-F238E27FC236}">
+                <a16:creationId xmlns:a16="http://schemas.microsoft.com/office/drawing/2014/main" id="{5920B00C-5AC3-18FA-ED63-8D9EC04AF076}"/>
               </a:ext>
             </a:extLst>
           </p:cNvPr>
@@ -6341,10 +5748,10 @@
         </p:nvSpPr>
         <p:spPr>
           <a:xfrm>
-            <a:off x="7975600" y="2336378"/>
-            <a:ext cx="3700671" cy="1831185"/>
-          </a:xfrm>
-          <a:prstGeom prst="rect">
+            <a:off x="7268308" y="1758569"/>
+            <a:ext cx="4667018" cy="4525010"/>
+          </a:xfrm>
+          <a:prstGeom prst="verticalScroll">
             <a:avLst/>
           </a:prstGeom>
           <a:solidFill>
@@ -6371,129 +5778,443 @@
           <a:bodyPr rtlCol="0" anchor="ctr"/>
           <a:lstStyle/>
           <a:p>
-            <a:endParaRPr lang="pt-BR" dirty="0"/>
-          </a:p>
-          <a:p>
-            <a:r>
-              <a:rPr lang="pt-BR" dirty="0" err="1"/>
-              <a:t>Num_dias</a:t>
-            </a:r>
-            <a:r>
-              <a:rPr lang="pt-BR" dirty="0"/>
-              <a:t>, Store %, </a:t>
-            </a:r>
-            <a:r>
-              <a:rPr lang="pt-BR" dirty="0" err="1"/>
-              <a:t>TotalComprou</a:t>
-            </a:r>
-            <a:r>
-              <a:rPr lang="pt-BR" dirty="0"/>
-              <a:t>, </a:t>
-            </a:r>
-            <a:r>
-              <a:rPr lang="pt-BR" dirty="0" err="1"/>
-              <a:t>Recency_compra</a:t>
-            </a:r>
-            <a:r>
-              <a:rPr lang="pt-BR" dirty="0"/>
-              <a:t>, Casado, </a:t>
-            </a:r>
-            <a:r>
-              <a:rPr lang="pt-BR" dirty="0" err="1"/>
-              <a:t>TeeHome,RFM_Score</a:t>
-            </a:r>
-            <a:r>
-              <a:rPr lang="pt-BR" dirty="0"/>
-              <a:t>, </a:t>
-            </a:r>
-            <a:r>
-              <a:rPr lang="pt-BR" dirty="0" err="1"/>
-              <a:t>Meat</a:t>
-            </a:r>
-            <a:r>
-              <a:rPr lang="pt-BR" dirty="0"/>
-              <a:t>%, </a:t>
-            </a:r>
-            <a:r>
-              <a:rPr lang="pt-BR" dirty="0" err="1"/>
-              <a:t>Education</a:t>
-            </a:r>
-            <a:r>
-              <a:rPr lang="pt-BR" dirty="0"/>
-              <a:t>, </a:t>
-            </a:r>
-            <a:r>
-              <a:rPr lang="pt-BR" dirty="0" err="1"/>
-              <a:t>FrequenciaCompra</a:t>
-            </a:r>
+            <a:pPr marL="285750" indent="-285750">
+              <a:buFont typeface="Arial" panose="020B0604020202020204" pitchFamily="34" charset="0"/>
+              <a:buChar char="•"/>
+            </a:pPr>
+            <a:r>
+              <a:rPr lang="pt-BR" sz="1800" b="1" dirty="0"/>
+              <a:t>Casado </a:t>
+            </a:r>
+          </a:p>
+          <a:p>
+            <a:pPr marL="285750" indent="-285750">
+              <a:buFont typeface="Arial" panose="020B0604020202020204" pitchFamily="34" charset="0"/>
+              <a:buChar char="•"/>
+            </a:pPr>
+            <a:r>
+              <a:rPr lang="pt-BR" sz="1800" b="1" dirty="0"/>
+              <a:t>Nível Superior</a:t>
+            </a:r>
+          </a:p>
+          <a:p>
+            <a:pPr marL="285750" indent="-285750">
+              <a:buFont typeface="Arial" panose="020B0604020202020204" pitchFamily="34" charset="0"/>
+              <a:buChar char="•"/>
+            </a:pPr>
+            <a:r>
+              <a:rPr lang="pt-BR" sz="1800" b="1" dirty="0"/>
+              <a:t>53 anos</a:t>
+            </a:r>
+          </a:p>
+          <a:p>
+            <a:pPr marL="285750" indent="-285750">
+              <a:buFont typeface="Arial" panose="020B0604020202020204" pitchFamily="34" charset="0"/>
+              <a:buChar char="•"/>
+            </a:pPr>
+            <a:r>
+              <a:rPr lang="pt-BR" sz="1800" b="1" dirty="0"/>
+              <a:t>Sem Filhos</a:t>
+            </a:r>
+          </a:p>
+          <a:p>
+            <a:pPr marL="285750" indent="-285750">
+              <a:buFont typeface="Arial" panose="020B0604020202020204" pitchFamily="34" charset="0"/>
+              <a:buChar char="•"/>
+            </a:pPr>
+            <a:r>
+              <a:rPr lang="pt-BR" sz="1800" b="1" dirty="0"/>
+              <a:t>Renda média 76 mil </a:t>
+            </a:r>
+          </a:p>
+          <a:p>
+            <a:pPr marL="285750" indent="-285750">
+              <a:buFont typeface="Arial" panose="020B0604020202020204" pitchFamily="34" charset="0"/>
+              <a:buChar char="•"/>
+            </a:pPr>
+            <a:r>
+              <a:rPr lang="pt-BR" sz="1800" b="1" dirty="0"/>
+              <a:t>Alta Frequência de compra </a:t>
+            </a:r>
+          </a:p>
+          <a:p>
+            <a:pPr marL="285750" indent="-285750">
+              <a:buFont typeface="Arial" panose="020B0604020202020204" pitchFamily="34" charset="0"/>
+              <a:buChar char="•"/>
+            </a:pPr>
+            <a:r>
+              <a:rPr lang="pt-BR" sz="1800" b="1" dirty="0"/>
+              <a:t>Gasta mais por compra </a:t>
+            </a:r>
+          </a:p>
+          <a:p>
+            <a:pPr marL="285750" indent="-285750">
+              <a:buFont typeface="Arial" panose="020B0604020202020204" pitchFamily="34" charset="0"/>
+              <a:buChar char="•"/>
+            </a:pPr>
+            <a:r>
+              <a:rPr lang="pt-BR" sz="1800" b="1" dirty="0"/>
+              <a:t>Não usa muitos cupons</a:t>
+            </a:r>
+          </a:p>
+          <a:p>
+            <a:pPr marL="285750" indent="-285750">
+              <a:buFont typeface="Arial" panose="020B0604020202020204" pitchFamily="34" charset="0"/>
+              <a:buChar char="•"/>
+            </a:pPr>
+            <a:r>
+              <a:rPr lang="pt-BR" sz="1800" b="1" dirty="0"/>
+              <a:t> </a:t>
+            </a:r>
+          </a:p>
+          <a:p>
+            <a:pPr algn="ctr"/>
             <a:endParaRPr lang="pt-BR" dirty="0"/>
           </a:p>
         </p:txBody>
       </p:sp>
       <p:sp>
         <p:nvSpPr>
-          <p:cNvPr id="5" name="CaixaDeTexto 4">
-            <a:extLst>
-              <a:ext uri="{FF2B5EF4-FFF2-40B4-BE49-F238E27FC236}">
-                <a16:creationId xmlns:a16="http://schemas.microsoft.com/office/drawing/2014/main" id="{20335767-4B6C-2ACC-DF65-8AD0675E2286}"/>
-              </a:ext>
-            </a:extLst>
-          </p:cNvPr>
-          <p:cNvSpPr txBox="1"/>
+          <p:cNvPr id="10" name="Título 1">
+            <a:extLst>
+              <a:ext uri="{FF2B5EF4-FFF2-40B4-BE49-F238E27FC236}">
+                <a16:creationId xmlns:a16="http://schemas.microsoft.com/office/drawing/2014/main" id="{EE88E5F2-5A75-AA86-3F7B-A42109759DD0}"/>
+              </a:ext>
+            </a:extLst>
+          </p:cNvPr>
+          <p:cNvSpPr>
+            <a:spLocks noGrp="1"/>
+          </p:cNvSpPr>
+          <p:nvPr>
+            <p:ph type="title"/>
+          </p:nvPr>
+        </p:nvSpPr>
+        <p:spPr>
+          <a:xfrm>
+            <a:off x="4268019" y="141412"/>
+            <a:ext cx="6228907" cy="1042737"/>
+          </a:xfrm>
+        </p:spPr>
+        <p:txBody>
+          <a:bodyPr vert="horz" lIns="91440" tIns="45720" rIns="91440" bIns="45720" rtlCol="0" anchor="b">
+            <a:normAutofit/>
+          </a:bodyPr>
+          <a:lstStyle/>
+          <a:p>
+            <a:r>
+              <a:rPr lang="en-US" dirty="0" err="1"/>
+              <a:t>Perfil</a:t>
+            </a:r>
+            <a:r>
+              <a:rPr lang="en-US" dirty="0"/>
+              <a:t> Comprador </a:t>
+            </a:r>
+            <a:endParaRPr lang="en-US" kern="1200" dirty="0">
+              <a:solidFill>
+                <a:schemeClr val="tx1"/>
+              </a:solidFill>
+              <a:latin typeface="+mj-lt"/>
+              <a:ea typeface="+mj-ea"/>
+              <a:cs typeface="+mj-cs"/>
+            </a:endParaRPr>
+          </a:p>
+        </p:txBody>
+      </p:sp>
+      <p:pic>
+        <p:nvPicPr>
+          <p:cNvPr id="15" name="Imagem 14" descr="Ícone&#10;&#10;Descrição gerada automaticamente">
+            <a:extLst>
+              <a:ext uri="{FF2B5EF4-FFF2-40B4-BE49-F238E27FC236}">
+                <a16:creationId xmlns:a16="http://schemas.microsoft.com/office/drawing/2014/main" id="{6B01602E-79AB-7136-027A-66F7676F3807}"/>
+              </a:ext>
+            </a:extLst>
+          </p:cNvPr>
+          <p:cNvPicPr>
+            <a:picLocks noChangeAspect="1"/>
+          </p:cNvPicPr>
           <p:nvPr/>
-        </p:nvSpPr>
-        <p:spPr>
-          <a:xfrm>
-            <a:off x="7969961" y="2300467"/>
-            <a:ext cx="1533368" cy="369332"/>
+        </p:nvPicPr>
+        <p:blipFill>
+          <a:blip r:embed="rId3">
+            <a:extLst>
+              <a:ext uri="{28A0092B-C50C-407E-A947-70E740481C1C}">
+                <a14:useLocalDpi xmlns:a14="http://schemas.microsoft.com/office/drawing/2010/main" val="0"/>
+              </a:ext>
+            </a:extLst>
+          </a:blip>
+          <a:stretch>
+            <a:fillRect/>
+          </a:stretch>
+        </p:blipFill>
+        <p:spPr>
+          <a:xfrm>
+            <a:off x="3665823" y="2218031"/>
+            <a:ext cx="4065548" cy="4065548"/>
           </a:xfrm>
           <a:prstGeom prst="rect">
             <a:avLst/>
           </a:prstGeom>
-          <a:noFill/>
-        </p:spPr>
-        <p:txBody>
-          <a:bodyPr wrap="none" rtlCol="0">
-            <a:spAutoFit/>
-          </a:bodyPr>
-          <a:lstStyle/>
-          <a:p>
-            <a:r>
-              <a:rPr lang="pt-BR" b="1" dirty="0" err="1">
-                <a:solidFill>
-                  <a:schemeClr val="bg1"/>
-                </a:solidFill>
-              </a:rPr>
-              <a:t>Shap</a:t>
-            </a:r>
-            <a:r>
-              <a:rPr lang="pt-BR" b="1" dirty="0">
-                <a:solidFill>
-                  <a:schemeClr val="bg1"/>
-                </a:solidFill>
-              </a:rPr>
-              <a:t> </a:t>
-            </a:r>
-            <a:r>
-              <a:rPr lang="pt-BR" b="1" dirty="0" err="1">
-                <a:solidFill>
-                  <a:schemeClr val="bg1"/>
-                </a:solidFill>
-              </a:rPr>
-              <a:t>Values</a:t>
-            </a:r>
-            <a:endParaRPr lang="pt-BR" b="1" dirty="0">
-              <a:solidFill>
-                <a:schemeClr val="bg1"/>
-              </a:solidFill>
-            </a:endParaRPr>
-          </a:p>
-        </p:txBody>
-      </p:sp>
+        </p:spPr>
+      </p:pic>
+      <p:pic>
+        <p:nvPicPr>
+          <p:cNvPr id="18" name="Espaço Reservado para Conteúdo 4" descr="Logotipo&#10;&#10;Descrição gerada automaticamente com confiança média">
+            <a:extLst>
+              <a:ext uri="{FF2B5EF4-FFF2-40B4-BE49-F238E27FC236}">
+                <a16:creationId xmlns:a16="http://schemas.microsoft.com/office/drawing/2014/main" id="{8B654998-E8B1-ED42-11D6-540BD59A2B90}"/>
+              </a:ext>
+            </a:extLst>
+          </p:cNvPr>
+          <p:cNvPicPr>
+            <a:picLocks noChangeAspect="1"/>
+          </p:cNvPicPr>
+          <p:nvPr/>
+        </p:nvPicPr>
+        <p:blipFill rotWithShape="1">
+          <a:blip r:embed="rId4">
+            <a:extLst>
+              <a:ext uri="{28A0092B-C50C-407E-A947-70E740481C1C}">
+                <a14:useLocalDpi xmlns:a14="http://schemas.microsoft.com/office/drawing/2010/main" val="0"/>
+              </a:ext>
+            </a:extLst>
+          </a:blip>
+          <a:srcRect t="12588" r="-2" b="16634"/>
+          <a:stretch/>
+        </p:blipFill>
+        <p:spPr>
+          <a:xfrm>
+            <a:off x="2" y="3407693"/>
+            <a:ext cx="3057234" cy="3450307"/>
+          </a:xfrm>
+          <a:custGeom>
+            <a:avLst/>
+            <a:gdLst/>
+            <a:ahLst/>
+            <a:cxnLst/>
+            <a:rect l="l" t="t" r="r" b="b"/>
+            <a:pathLst>
+              <a:path w="4874885" h="3450307">
+                <a:moveTo>
+                  <a:pt x="4532754" y="1351027"/>
+                </a:moveTo>
+                <a:cubicBezTo>
+                  <a:pt x="4708691" y="1351027"/>
+                  <a:pt x="4851318" y="1493653"/>
+                  <a:pt x="4851318" y="1669590"/>
+                </a:cubicBezTo>
+                <a:cubicBezTo>
+                  <a:pt x="4851318" y="1845527"/>
+                  <a:pt x="4708691" y="1988153"/>
+                  <a:pt x="4532754" y="1988153"/>
+                </a:cubicBezTo>
+                <a:cubicBezTo>
+                  <a:pt x="4356817" y="1988153"/>
+                  <a:pt x="4214192" y="1845527"/>
+                  <a:pt x="4214192" y="1669590"/>
+                </a:cubicBezTo>
+                <a:cubicBezTo>
+                  <a:pt x="4214192" y="1493653"/>
+                  <a:pt x="4356817" y="1351027"/>
+                  <a:pt x="4532754" y="1351027"/>
+                </a:cubicBezTo>
+                <a:close/>
+                <a:moveTo>
+                  <a:pt x="0" y="0"/>
+                </a:moveTo>
+                <a:lnTo>
+                  <a:pt x="4856689" y="0"/>
+                </a:lnTo>
+                <a:lnTo>
+                  <a:pt x="4870434" y="84681"/>
+                </a:lnTo>
+                <a:cubicBezTo>
+                  <a:pt x="4883002" y="213833"/>
+                  <a:pt x="4869945" y="349640"/>
+                  <a:pt x="4818595" y="498581"/>
+                </a:cubicBezTo>
+                <a:cubicBezTo>
+                  <a:pt x="4635545" y="1029670"/>
+                  <a:pt x="4177089" y="1186904"/>
+                  <a:pt x="4130801" y="1581479"/>
+                </a:cubicBezTo>
+                <a:cubicBezTo>
+                  <a:pt x="4074635" y="2056713"/>
+                  <a:pt x="4591392" y="2220122"/>
+                  <a:pt x="4573797" y="2766116"/>
+                </a:cubicBezTo>
+                <a:cubicBezTo>
+                  <a:pt x="4566496" y="2988878"/>
+                  <a:pt x="4471921" y="3227871"/>
+                  <a:pt x="4326108" y="3414524"/>
+                </a:cubicBezTo>
+                <a:lnTo>
+                  <a:pt x="4294346" y="3450307"/>
+                </a:lnTo>
+                <a:lnTo>
+                  <a:pt x="0" y="3450307"/>
+                </a:lnTo>
+                <a:close/>
+              </a:path>
+            </a:pathLst>
+          </a:custGeom>
+        </p:spPr>
+      </p:pic>
+      <p:pic>
+        <p:nvPicPr>
+          <p:cNvPr id="19" name="Imagem 18">
+            <a:extLst>
+              <a:ext uri="{FF2B5EF4-FFF2-40B4-BE49-F238E27FC236}">
+                <a16:creationId xmlns:a16="http://schemas.microsoft.com/office/drawing/2014/main" id="{CC00CFF2-1703-F103-D38B-9124C9E60708}"/>
+              </a:ext>
+            </a:extLst>
+          </p:cNvPr>
+          <p:cNvPicPr>
+            <a:picLocks noChangeAspect="1"/>
+          </p:cNvPicPr>
+          <p:nvPr/>
+        </p:nvPicPr>
+        <p:blipFill>
+          <a:blip r:embed="rId5">
+            <a:extLst>
+              <a:ext uri="{28A0092B-C50C-407E-A947-70E740481C1C}">
+                <a14:useLocalDpi xmlns:a14="http://schemas.microsoft.com/office/drawing/2010/main" val="0"/>
+              </a:ext>
+            </a:extLst>
+          </a:blip>
+          <a:srcRect l="5142" r="5142"/>
+          <a:stretch/>
+        </p:blipFill>
+        <p:spPr>
+          <a:xfrm>
+            <a:off x="21" y="10"/>
+            <a:ext cx="3057215" cy="3407683"/>
+          </a:xfrm>
+          <a:custGeom>
+            <a:avLst/>
+            <a:gdLst/>
+            <a:ahLst/>
+            <a:cxnLst/>
+            <a:rect l="l" t="t" r="r" b="b"/>
+            <a:pathLst>
+              <a:path w="4863606" h="3450307">
+                <a:moveTo>
+                  <a:pt x="4591342" y="1822824"/>
+                </a:moveTo>
+                <a:cubicBezTo>
+                  <a:pt x="4734922" y="1822824"/>
+                  <a:pt x="4851318" y="1939219"/>
+                  <a:pt x="4851318" y="2082800"/>
+                </a:cubicBezTo>
+                <a:cubicBezTo>
+                  <a:pt x="4851318" y="2226381"/>
+                  <a:pt x="4734922" y="2342776"/>
+                  <a:pt x="4591342" y="2342776"/>
+                </a:cubicBezTo>
+                <a:cubicBezTo>
+                  <a:pt x="4447760" y="2342776"/>
+                  <a:pt x="4331366" y="2226381"/>
+                  <a:pt x="4331366" y="2082800"/>
+                </a:cubicBezTo>
+                <a:cubicBezTo>
+                  <a:pt x="4331366" y="1939219"/>
+                  <a:pt x="4447760" y="1822824"/>
+                  <a:pt x="4591342" y="1822824"/>
+                </a:cubicBezTo>
+                <a:close/>
+                <a:moveTo>
+                  <a:pt x="4548524" y="1354515"/>
+                </a:moveTo>
+                <a:cubicBezTo>
+                  <a:pt x="4640145" y="1354515"/>
+                  <a:pt x="4714417" y="1428787"/>
+                  <a:pt x="4714417" y="1520407"/>
+                </a:cubicBezTo>
+                <a:cubicBezTo>
+                  <a:pt x="4714417" y="1612027"/>
+                  <a:pt x="4640145" y="1686299"/>
+                  <a:pt x="4548524" y="1686299"/>
+                </a:cubicBezTo>
+                <a:cubicBezTo>
+                  <a:pt x="4456904" y="1686299"/>
+                  <a:pt x="4382633" y="1612027"/>
+                  <a:pt x="4382633" y="1520407"/>
+                </a:cubicBezTo>
+                <a:cubicBezTo>
+                  <a:pt x="4382633" y="1428787"/>
+                  <a:pt x="4456904" y="1354515"/>
+                  <a:pt x="4548524" y="1354515"/>
+                </a:cubicBezTo>
+                <a:close/>
+                <a:moveTo>
+                  <a:pt x="0" y="0"/>
+                </a:moveTo>
+                <a:lnTo>
+                  <a:pt x="153671" y="0"/>
+                </a:lnTo>
+                <a:lnTo>
+                  <a:pt x="909477" y="0"/>
+                </a:lnTo>
+                <a:lnTo>
+                  <a:pt x="2112567" y="0"/>
+                </a:lnTo>
+                <a:lnTo>
+                  <a:pt x="2477521" y="0"/>
+                </a:lnTo>
+                <a:lnTo>
+                  <a:pt x="4026565" y="0"/>
+                </a:lnTo>
+                <a:lnTo>
+                  <a:pt x="4318929" y="0"/>
+                </a:lnTo>
+                <a:lnTo>
+                  <a:pt x="4347748" y="26006"/>
+                </a:lnTo>
+                <a:cubicBezTo>
+                  <a:pt x="4576020" y="265828"/>
+                  <a:pt x="4547105" y="605203"/>
+                  <a:pt x="4412376" y="981453"/>
+                </a:cubicBezTo>
+                <a:cubicBezTo>
+                  <a:pt x="4407458" y="994267"/>
+                  <a:pt x="4401397" y="1006625"/>
+                  <a:pt x="4394268" y="1018429"/>
+                </a:cubicBezTo>
+                <a:cubicBezTo>
+                  <a:pt x="4302616" y="1213511"/>
+                  <a:pt x="3914486" y="2128752"/>
+                  <a:pt x="4471063" y="2621388"/>
+                </a:cubicBezTo>
+                <a:cubicBezTo>
+                  <a:pt x="4474502" y="2624417"/>
+                  <a:pt x="4477530" y="2627394"/>
+                  <a:pt x="4480254" y="2630331"/>
+                </a:cubicBezTo>
+                <a:cubicBezTo>
+                  <a:pt x="4539798" y="2687655"/>
+                  <a:pt x="4597630" y="2763073"/>
+                  <a:pt x="4652690" y="2872062"/>
+                </a:cubicBezTo>
+                <a:cubicBezTo>
+                  <a:pt x="4736423" y="3038692"/>
+                  <a:pt x="4812133" y="3197951"/>
+                  <a:pt x="4849792" y="3365199"/>
+                </a:cubicBezTo>
+                <a:lnTo>
+                  <a:pt x="4863606" y="3450307"/>
+                </a:lnTo>
+                <a:lnTo>
+                  <a:pt x="0" y="3450307"/>
+                </a:lnTo>
+                <a:close/>
+              </a:path>
+            </a:pathLst>
+          </a:custGeom>
+        </p:spPr>
+      </p:pic>
     </p:spTree>
     <p:extLst>
       <p:ext uri="{BB962C8B-B14F-4D97-AF65-F5344CB8AC3E}">
-        <p14:creationId xmlns:p14="http://schemas.microsoft.com/office/powerpoint/2010/main" val="2419724206"/>
+        <p14:creationId xmlns:p14="http://schemas.microsoft.com/office/powerpoint/2010/main" val="3189202690"/>
       </p:ext>
     </p:extLst>
   </p:cSld>
@@ -6647,6 +6368,803 @@
       </p:sp>
       <p:pic>
         <p:nvPicPr>
+          <p:cNvPr id="11" name="Imagem 10" descr="Logotipo&#10;&#10;Descrição gerada automaticamente">
+            <a:extLst>
+              <a:ext uri="{FF2B5EF4-FFF2-40B4-BE49-F238E27FC236}">
+                <a16:creationId xmlns:a16="http://schemas.microsoft.com/office/drawing/2014/main" id="{932B2994-4F7B-D09A-0EAF-A53E61255038}"/>
+              </a:ext>
+            </a:extLst>
+          </p:cNvPr>
+          <p:cNvPicPr>
+            <a:picLocks noChangeAspect="1"/>
+          </p:cNvPicPr>
+          <p:nvPr/>
+        </p:nvPicPr>
+        <p:blipFill>
+          <a:blip r:embed="rId2">
+            <a:extLst>
+              <a:ext uri="{28A0092B-C50C-407E-A947-70E740481C1C}">
+                <a14:useLocalDpi xmlns:a14="http://schemas.microsoft.com/office/drawing/2010/main" val="0"/>
+              </a:ext>
+            </a:extLst>
+          </a:blip>
+          <a:stretch>
+            <a:fillRect/>
+          </a:stretch>
+        </p:blipFill>
+        <p:spPr>
+          <a:xfrm>
+            <a:off x="11154903" y="0"/>
+            <a:ext cx="1042737" cy="1042737"/>
+          </a:xfrm>
+          <a:prstGeom prst="rect">
+            <a:avLst/>
+          </a:prstGeom>
+        </p:spPr>
+      </p:pic>
+      <p:sp>
+        <p:nvSpPr>
+          <p:cNvPr id="4" name="CaixaDeTexto 3">
+            <a:extLst>
+              <a:ext uri="{FF2B5EF4-FFF2-40B4-BE49-F238E27FC236}">
+                <a16:creationId xmlns:a16="http://schemas.microsoft.com/office/drawing/2014/main" id="{E8DC1041-889F-B04A-680D-A06DA9D997FF}"/>
+              </a:ext>
+            </a:extLst>
+          </p:cNvPr>
+          <p:cNvSpPr txBox="1"/>
+          <p:nvPr/>
+        </p:nvSpPr>
+        <p:spPr>
+          <a:xfrm>
+            <a:off x="3334328" y="390548"/>
+            <a:ext cx="5411755" cy="369332"/>
+          </a:xfrm>
+          <a:prstGeom prst="rect">
+            <a:avLst/>
+          </a:prstGeom>
+          <a:noFill/>
+        </p:spPr>
+        <p:txBody>
+          <a:bodyPr wrap="square" rtlCol="0">
+            <a:spAutoFit/>
+          </a:bodyPr>
+          <a:lstStyle/>
+          <a:p>
+            <a:r>
+              <a:rPr lang="pt-BR" b="1" dirty="0"/>
+              <a:t>Modelo</a:t>
+            </a:r>
+          </a:p>
+        </p:txBody>
+      </p:sp>
+      <p:pic>
+        <p:nvPicPr>
+          <p:cNvPr id="9" name="Imagem 8" descr="Tela preta com letras brancas&#10;&#10;Descrição gerada automaticamente">
+            <a:extLst>
+              <a:ext uri="{FF2B5EF4-FFF2-40B4-BE49-F238E27FC236}">
+                <a16:creationId xmlns:a16="http://schemas.microsoft.com/office/drawing/2014/main" id="{835F87E6-68B4-B505-D7AD-B0F556902213}"/>
+              </a:ext>
+            </a:extLst>
+          </p:cNvPr>
+          <p:cNvPicPr>
+            <a:picLocks noChangeAspect="1"/>
+          </p:cNvPicPr>
+          <p:nvPr/>
+        </p:nvPicPr>
+        <p:blipFill>
+          <a:blip r:embed="rId3">
+            <a:extLst>
+              <a:ext uri="{28A0092B-C50C-407E-A947-70E740481C1C}">
+                <a14:useLocalDpi xmlns:a14="http://schemas.microsoft.com/office/drawing/2010/main" val="0"/>
+              </a:ext>
+            </a:extLst>
+          </a:blip>
+          <a:stretch>
+            <a:fillRect/>
+          </a:stretch>
+        </p:blipFill>
+        <p:spPr>
+          <a:xfrm>
+            <a:off x="3334328" y="4266733"/>
+            <a:ext cx="8341943" cy="2353003"/>
+          </a:xfrm>
+          <a:prstGeom prst="rect">
+            <a:avLst/>
+          </a:prstGeom>
+        </p:spPr>
+      </p:pic>
+      <p:pic>
+        <p:nvPicPr>
+          <p:cNvPr id="12" name="Imagem 11">
+            <a:extLst>
+              <a:ext uri="{FF2B5EF4-FFF2-40B4-BE49-F238E27FC236}">
+                <a16:creationId xmlns:a16="http://schemas.microsoft.com/office/drawing/2014/main" id="{E5AC9DAC-36BB-1C27-5631-E44760A9CAA1}"/>
+              </a:ext>
+            </a:extLst>
+          </p:cNvPr>
+          <p:cNvPicPr>
+            <a:picLocks noChangeAspect="1"/>
+          </p:cNvPicPr>
+          <p:nvPr/>
+        </p:nvPicPr>
+        <p:blipFill>
+          <a:blip r:embed="rId4">
+            <a:extLst>
+              <a:ext uri="{28A0092B-C50C-407E-A947-70E740481C1C}">
+                <a14:useLocalDpi xmlns:a14="http://schemas.microsoft.com/office/drawing/2010/main" val="0"/>
+              </a:ext>
+            </a:extLst>
+          </a:blip>
+          <a:srcRect/>
+          <a:stretch/>
+        </p:blipFill>
+        <p:spPr>
+          <a:xfrm>
+            <a:off x="3334328" y="759880"/>
+            <a:ext cx="4553306" cy="3407683"/>
+          </a:xfrm>
+          <a:prstGeom prst="rect">
+            <a:avLst/>
+          </a:prstGeom>
+        </p:spPr>
+      </p:pic>
+      <p:pic>
+        <p:nvPicPr>
+          <p:cNvPr id="13" name="Espaço Reservado para Conteúdo 4" descr="Logotipo&#10;&#10;Descrição gerada automaticamente com confiança média">
+            <a:extLst>
+              <a:ext uri="{FF2B5EF4-FFF2-40B4-BE49-F238E27FC236}">
+                <a16:creationId xmlns:a16="http://schemas.microsoft.com/office/drawing/2014/main" id="{553214DD-78A3-8B81-8A86-A20363B8C4CB}"/>
+              </a:ext>
+            </a:extLst>
+          </p:cNvPr>
+          <p:cNvPicPr>
+            <a:picLocks noChangeAspect="1"/>
+          </p:cNvPicPr>
+          <p:nvPr/>
+        </p:nvPicPr>
+        <p:blipFill rotWithShape="1">
+          <a:blip r:embed="rId5">
+            <a:extLst>
+              <a:ext uri="{28A0092B-C50C-407E-A947-70E740481C1C}">
+                <a14:useLocalDpi xmlns:a14="http://schemas.microsoft.com/office/drawing/2010/main" val="0"/>
+              </a:ext>
+            </a:extLst>
+          </a:blip>
+          <a:srcRect t="12588" r="-2" b="16634"/>
+          <a:stretch/>
+        </p:blipFill>
+        <p:spPr>
+          <a:xfrm>
+            <a:off x="2" y="3407693"/>
+            <a:ext cx="3057234" cy="3450307"/>
+          </a:xfrm>
+          <a:custGeom>
+            <a:avLst/>
+            <a:gdLst/>
+            <a:ahLst/>
+            <a:cxnLst/>
+            <a:rect l="l" t="t" r="r" b="b"/>
+            <a:pathLst>
+              <a:path w="4874885" h="3450307">
+                <a:moveTo>
+                  <a:pt x="4532754" y="1351027"/>
+                </a:moveTo>
+                <a:cubicBezTo>
+                  <a:pt x="4708691" y="1351027"/>
+                  <a:pt x="4851318" y="1493653"/>
+                  <a:pt x="4851318" y="1669590"/>
+                </a:cubicBezTo>
+                <a:cubicBezTo>
+                  <a:pt x="4851318" y="1845527"/>
+                  <a:pt x="4708691" y="1988153"/>
+                  <a:pt x="4532754" y="1988153"/>
+                </a:cubicBezTo>
+                <a:cubicBezTo>
+                  <a:pt x="4356817" y="1988153"/>
+                  <a:pt x="4214192" y="1845527"/>
+                  <a:pt x="4214192" y="1669590"/>
+                </a:cubicBezTo>
+                <a:cubicBezTo>
+                  <a:pt x="4214192" y="1493653"/>
+                  <a:pt x="4356817" y="1351027"/>
+                  <a:pt x="4532754" y="1351027"/>
+                </a:cubicBezTo>
+                <a:close/>
+                <a:moveTo>
+                  <a:pt x="0" y="0"/>
+                </a:moveTo>
+                <a:lnTo>
+                  <a:pt x="4856689" y="0"/>
+                </a:lnTo>
+                <a:lnTo>
+                  <a:pt x="4870434" y="84681"/>
+                </a:lnTo>
+                <a:cubicBezTo>
+                  <a:pt x="4883002" y="213833"/>
+                  <a:pt x="4869945" y="349640"/>
+                  <a:pt x="4818595" y="498581"/>
+                </a:cubicBezTo>
+                <a:cubicBezTo>
+                  <a:pt x="4635545" y="1029670"/>
+                  <a:pt x="4177089" y="1186904"/>
+                  <a:pt x="4130801" y="1581479"/>
+                </a:cubicBezTo>
+                <a:cubicBezTo>
+                  <a:pt x="4074635" y="2056713"/>
+                  <a:pt x="4591392" y="2220122"/>
+                  <a:pt x="4573797" y="2766116"/>
+                </a:cubicBezTo>
+                <a:cubicBezTo>
+                  <a:pt x="4566496" y="2988878"/>
+                  <a:pt x="4471921" y="3227871"/>
+                  <a:pt x="4326108" y="3414524"/>
+                </a:cubicBezTo>
+                <a:lnTo>
+                  <a:pt x="4294346" y="3450307"/>
+                </a:lnTo>
+                <a:lnTo>
+                  <a:pt x="0" y="3450307"/>
+                </a:lnTo>
+                <a:close/>
+              </a:path>
+            </a:pathLst>
+          </a:custGeom>
+        </p:spPr>
+      </p:pic>
+      <p:pic>
+        <p:nvPicPr>
+          <p:cNvPr id="14" name="Imagem 13">
+            <a:extLst>
+              <a:ext uri="{FF2B5EF4-FFF2-40B4-BE49-F238E27FC236}">
+                <a16:creationId xmlns:a16="http://schemas.microsoft.com/office/drawing/2014/main" id="{59799B95-D833-1D89-4A18-7C3AC3668BD6}"/>
+              </a:ext>
+            </a:extLst>
+          </p:cNvPr>
+          <p:cNvPicPr>
+            <a:picLocks noChangeAspect="1"/>
+          </p:cNvPicPr>
+          <p:nvPr/>
+        </p:nvPicPr>
+        <p:blipFill>
+          <a:blip r:embed="rId6">
+            <a:extLst>
+              <a:ext uri="{28A0092B-C50C-407E-A947-70E740481C1C}">
+                <a14:useLocalDpi xmlns:a14="http://schemas.microsoft.com/office/drawing/2010/main" val="0"/>
+              </a:ext>
+            </a:extLst>
+          </a:blip>
+          <a:srcRect l="5142" r="5142"/>
+          <a:stretch/>
+        </p:blipFill>
+        <p:spPr>
+          <a:xfrm>
+            <a:off x="21" y="0"/>
+            <a:ext cx="3057215" cy="3407683"/>
+          </a:xfrm>
+          <a:custGeom>
+            <a:avLst/>
+            <a:gdLst/>
+            <a:ahLst/>
+            <a:cxnLst/>
+            <a:rect l="l" t="t" r="r" b="b"/>
+            <a:pathLst>
+              <a:path w="4863606" h="3450307">
+                <a:moveTo>
+                  <a:pt x="4591342" y="1822824"/>
+                </a:moveTo>
+                <a:cubicBezTo>
+                  <a:pt x="4734922" y="1822824"/>
+                  <a:pt x="4851318" y="1939219"/>
+                  <a:pt x="4851318" y="2082800"/>
+                </a:cubicBezTo>
+                <a:cubicBezTo>
+                  <a:pt x="4851318" y="2226381"/>
+                  <a:pt x="4734922" y="2342776"/>
+                  <a:pt x="4591342" y="2342776"/>
+                </a:cubicBezTo>
+                <a:cubicBezTo>
+                  <a:pt x="4447760" y="2342776"/>
+                  <a:pt x="4331366" y="2226381"/>
+                  <a:pt x="4331366" y="2082800"/>
+                </a:cubicBezTo>
+                <a:cubicBezTo>
+                  <a:pt x="4331366" y="1939219"/>
+                  <a:pt x="4447760" y="1822824"/>
+                  <a:pt x="4591342" y="1822824"/>
+                </a:cubicBezTo>
+                <a:close/>
+                <a:moveTo>
+                  <a:pt x="4548524" y="1354515"/>
+                </a:moveTo>
+                <a:cubicBezTo>
+                  <a:pt x="4640145" y="1354515"/>
+                  <a:pt x="4714417" y="1428787"/>
+                  <a:pt x="4714417" y="1520407"/>
+                </a:cubicBezTo>
+                <a:cubicBezTo>
+                  <a:pt x="4714417" y="1612027"/>
+                  <a:pt x="4640145" y="1686299"/>
+                  <a:pt x="4548524" y="1686299"/>
+                </a:cubicBezTo>
+                <a:cubicBezTo>
+                  <a:pt x="4456904" y="1686299"/>
+                  <a:pt x="4382633" y="1612027"/>
+                  <a:pt x="4382633" y="1520407"/>
+                </a:cubicBezTo>
+                <a:cubicBezTo>
+                  <a:pt x="4382633" y="1428787"/>
+                  <a:pt x="4456904" y="1354515"/>
+                  <a:pt x="4548524" y="1354515"/>
+                </a:cubicBezTo>
+                <a:close/>
+                <a:moveTo>
+                  <a:pt x="0" y="0"/>
+                </a:moveTo>
+                <a:lnTo>
+                  <a:pt x="153671" y="0"/>
+                </a:lnTo>
+                <a:lnTo>
+                  <a:pt x="909477" y="0"/>
+                </a:lnTo>
+                <a:lnTo>
+                  <a:pt x="2112567" y="0"/>
+                </a:lnTo>
+                <a:lnTo>
+                  <a:pt x="2477521" y="0"/>
+                </a:lnTo>
+                <a:lnTo>
+                  <a:pt x="4026565" y="0"/>
+                </a:lnTo>
+                <a:lnTo>
+                  <a:pt x="4318929" y="0"/>
+                </a:lnTo>
+                <a:lnTo>
+                  <a:pt x="4347748" y="26006"/>
+                </a:lnTo>
+                <a:cubicBezTo>
+                  <a:pt x="4576020" y="265828"/>
+                  <a:pt x="4547105" y="605203"/>
+                  <a:pt x="4412376" y="981453"/>
+                </a:cubicBezTo>
+                <a:cubicBezTo>
+                  <a:pt x="4407458" y="994267"/>
+                  <a:pt x="4401397" y="1006625"/>
+                  <a:pt x="4394268" y="1018429"/>
+                </a:cubicBezTo>
+                <a:cubicBezTo>
+                  <a:pt x="4302616" y="1213511"/>
+                  <a:pt x="3914486" y="2128752"/>
+                  <a:pt x="4471063" y="2621388"/>
+                </a:cubicBezTo>
+                <a:cubicBezTo>
+                  <a:pt x="4474502" y="2624417"/>
+                  <a:pt x="4477530" y="2627394"/>
+                  <a:pt x="4480254" y="2630331"/>
+                </a:cubicBezTo>
+                <a:cubicBezTo>
+                  <a:pt x="4539798" y="2687655"/>
+                  <a:pt x="4597630" y="2763073"/>
+                  <a:pt x="4652690" y="2872062"/>
+                </a:cubicBezTo>
+                <a:cubicBezTo>
+                  <a:pt x="4736423" y="3038692"/>
+                  <a:pt x="4812133" y="3197951"/>
+                  <a:pt x="4849792" y="3365199"/>
+                </a:cubicBezTo>
+                <a:lnTo>
+                  <a:pt x="4863606" y="3450307"/>
+                </a:lnTo>
+                <a:lnTo>
+                  <a:pt x="0" y="3450307"/>
+                </a:lnTo>
+                <a:close/>
+              </a:path>
+            </a:pathLst>
+          </a:custGeom>
+        </p:spPr>
+      </p:pic>
+      <p:sp>
+        <p:nvSpPr>
+          <p:cNvPr id="2" name="CaixaDeTexto 1">
+            <a:extLst>
+              <a:ext uri="{FF2B5EF4-FFF2-40B4-BE49-F238E27FC236}">
+                <a16:creationId xmlns:a16="http://schemas.microsoft.com/office/drawing/2014/main" id="{EEFA0B22-811D-F55B-A8BF-2AEC0B1DDFB8}"/>
+              </a:ext>
+            </a:extLst>
+          </p:cNvPr>
+          <p:cNvSpPr txBox="1"/>
+          <p:nvPr/>
+        </p:nvSpPr>
+        <p:spPr>
+          <a:xfrm>
+            <a:off x="7887634" y="859050"/>
+            <a:ext cx="3923366" cy="1477328"/>
+          </a:xfrm>
+          <a:prstGeom prst="rect">
+            <a:avLst/>
+          </a:prstGeom>
+          <a:noFill/>
+        </p:spPr>
+        <p:txBody>
+          <a:bodyPr wrap="square" rtlCol="0">
+            <a:spAutoFit/>
+          </a:bodyPr>
+          <a:lstStyle/>
+          <a:p>
+            <a:pPr marL="285750" indent="-285750">
+              <a:buFont typeface="Arial" panose="020B0604020202020204" pitchFamily="34" charset="0"/>
+              <a:buChar char="•"/>
+            </a:pPr>
+            <a:r>
+              <a:rPr lang="pt-BR" b="1" dirty="0" err="1"/>
+              <a:t>RegressãoLogistica</a:t>
+            </a:r>
+            <a:endParaRPr lang="pt-BR" b="1" dirty="0"/>
+          </a:p>
+          <a:p>
+            <a:pPr marL="285750" indent="-285750">
+              <a:buFont typeface="Arial" panose="020B0604020202020204" pitchFamily="34" charset="0"/>
+              <a:buChar char="•"/>
+            </a:pPr>
+            <a:r>
+              <a:rPr lang="pt-BR" b="1" dirty="0"/>
+              <a:t>Balanceado com </a:t>
+            </a:r>
+            <a:r>
+              <a:rPr lang="pt-BR" b="1" dirty="0" err="1"/>
+              <a:t>ClassWeigths</a:t>
+            </a:r>
+            <a:endParaRPr lang="pt-BR" b="1" dirty="0"/>
+          </a:p>
+          <a:p>
+            <a:pPr marL="285750" indent="-285750">
+              <a:buFont typeface="Arial" panose="020B0604020202020204" pitchFamily="34" charset="0"/>
+              <a:buChar char="•"/>
+            </a:pPr>
+            <a:r>
+              <a:rPr lang="pt-BR" b="1" dirty="0"/>
+              <a:t>Regularização L1</a:t>
+            </a:r>
+          </a:p>
+          <a:p>
+            <a:pPr marL="285750" indent="-285750">
+              <a:buFont typeface="Arial" panose="020B0604020202020204" pitchFamily="34" charset="0"/>
+              <a:buChar char="•"/>
+            </a:pPr>
+            <a:r>
+              <a:rPr lang="pt-BR" b="1" dirty="0" err="1"/>
+              <a:t>Threshold</a:t>
+            </a:r>
+            <a:r>
+              <a:rPr lang="pt-BR" b="1" dirty="0"/>
+              <a:t> 65%</a:t>
+            </a:r>
+          </a:p>
+          <a:p>
+            <a:endParaRPr lang="pt-BR" dirty="0"/>
+          </a:p>
+        </p:txBody>
+      </p:sp>
+      <p:sp>
+        <p:nvSpPr>
+          <p:cNvPr id="3" name="Retângulo 2">
+            <a:extLst>
+              <a:ext uri="{FF2B5EF4-FFF2-40B4-BE49-F238E27FC236}">
+                <a16:creationId xmlns:a16="http://schemas.microsoft.com/office/drawing/2014/main" id="{529635B2-FBAB-2FF4-13E2-4B30ED49533A}"/>
+              </a:ext>
+            </a:extLst>
+          </p:cNvPr>
+          <p:cNvSpPr/>
+          <p:nvPr/>
+        </p:nvSpPr>
+        <p:spPr>
+          <a:xfrm>
+            <a:off x="7975600" y="2336378"/>
+            <a:ext cx="3700671" cy="1831185"/>
+          </a:xfrm>
+          <a:prstGeom prst="rect">
+            <a:avLst/>
+          </a:prstGeom>
+          <a:solidFill>
+            <a:srgbClr val="FF001B"/>
+          </a:solidFill>
+        </p:spPr>
+        <p:style>
+          <a:lnRef idx="2">
+            <a:schemeClr val="accent1">
+              <a:shade val="50000"/>
+            </a:schemeClr>
+          </a:lnRef>
+          <a:fillRef idx="1">
+            <a:schemeClr val="accent1"/>
+          </a:fillRef>
+          <a:effectRef idx="0">
+            <a:schemeClr val="accent1"/>
+          </a:effectRef>
+          <a:fontRef idx="minor">
+            <a:schemeClr val="lt1"/>
+          </a:fontRef>
+        </p:style>
+        <p:txBody>
+          <a:bodyPr rtlCol="0" anchor="ctr"/>
+          <a:lstStyle/>
+          <a:p>
+            <a:endParaRPr lang="pt-BR" dirty="0"/>
+          </a:p>
+          <a:p>
+            <a:r>
+              <a:rPr lang="pt-BR" dirty="0" err="1"/>
+              <a:t>Num_dias</a:t>
+            </a:r>
+            <a:r>
+              <a:rPr lang="pt-BR" dirty="0"/>
+              <a:t>, Store %, </a:t>
+            </a:r>
+            <a:r>
+              <a:rPr lang="pt-BR" dirty="0" err="1"/>
+              <a:t>TotalComprou</a:t>
+            </a:r>
+            <a:r>
+              <a:rPr lang="pt-BR" dirty="0"/>
+              <a:t>, </a:t>
+            </a:r>
+            <a:r>
+              <a:rPr lang="pt-BR" dirty="0" err="1"/>
+              <a:t>Recency_compra</a:t>
+            </a:r>
+            <a:r>
+              <a:rPr lang="pt-BR" dirty="0"/>
+              <a:t>, Casado, </a:t>
+            </a:r>
+            <a:r>
+              <a:rPr lang="pt-BR" dirty="0" err="1"/>
+              <a:t>TeeHome,RFM_Score</a:t>
+            </a:r>
+            <a:r>
+              <a:rPr lang="pt-BR" dirty="0"/>
+              <a:t>, </a:t>
+            </a:r>
+            <a:r>
+              <a:rPr lang="pt-BR" dirty="0" err="1"/>
+              <a:t>Meat</a:t>
+            </a:r>
+            <a:r>
+              <a:rPr lang="pt-BR" dirty="0"/>
+              <a:t>%, </a:t>
+            </a:r>
+            <a:r>
+              <a:rPr lang="pt-BR" dirty="0" err="1"/>
+              <a:t>Education</a:t>
+            </a:r>
+            <a:r>
+              <a:rPr lang="pt-BR" dirty="0"/>
+              <a:t>, </a:t>
+            </a:r>
+            <a:r>
+              <a:rPr lang="pt-BR" dirty="0" err="1"/>
+              <a:t>FrequenciaCompra</a:t>
+            </a:r>
+            <a:endParaRPr lang="pt-BR" dirty="0"/>
+          </a:p>
+        </p:txBody>
+      </p:sp>
+      <p:sp>
+        <p:nvSpPr>
+          <p:cNvPr id="5" name="CaixaDeTexto 4">
+            <a:extLst>
+              <a:ext uri="{FF2B5EF4-FFF2-40B4-BE49-F238E27FC236}">
+                <a16:creationId xmlns:a16="http://schemas.microsoft.com/office/drawing/2014/main" id="{20335767-4B6C-2ACC-DF65-8AD0675E2286}"/>
+              </a:ext>
+            </a:extLst>
+          </p:cNvPr>
+          <p:cNvSpPr txBox="1"/>
+          <p:nvPr/>
+        </p:nvSpPr>
+        <p:spPr>
+          <a:xfrm>
+            <a:off x="7969961" y="2300467"/>
+            <a:ext cx="1533368" cy="369332"/>
+          </a:xfrm>
+          <a:prstGeom prst="rect">
+            <a:avLst/>
+          </a:prstGeom>
+          <a:noFill/>
+        </p:spPr>
+        <p:txBody>
+          <a:bodyPr wrap="none" rtlCol="0">
+            <a:spAutoFit/>
+          </a:bodyPr>
+          <a:lstStyle/>
+          <a:p>
+            <a:r>
+              <a:rPr lang="pt-BR" b="1" dirty="0" err="1">
+                <a:solidFill>
+                  <a:schemeClr val="bg1"/>
+                </a:solidFill>
+              </a:rPr>
+              <a:t>Shap</a:t>
+            </a:r>
+            <a:r>
+              <a:rPr lang="pt-BR" b="1" dirty="0">
+                <a:solidFill>
+                  <a:schemeClr val="bg1"/>
+                </a:solidFill>
+              </a:rPr>
+              <a:t> </a:t>
+            </a:r>
+            <a:r>
+              <a:rPr lang="pt-BR" b="1" dirty="0" err="1">
+                <a:solidFill>
+                  <a:schemeClr val="bg1"/>
+                </a:solidFill>
+              </a:rPr>
+              <a:t>Values</a:t>
+            </a:r>
+            <a:endParaRPr lang="pt-BR" b="1" dirty="0">
+              <a:solidFill>
+                <a:schemeClr val="bg1"/>
+              </a:solidFill>
+            </a:endParaRPr>
+          </a:p>
+        </p:txBody>
+      </p:sp>
+    </p:spTree>
+    <p:extLst>
+      <p:ext uri="{BB962C8B-B14F-4D97-AF65-F5344CB8AC3E}">
+        <p14:creationId xmlns:p14="http://schemas.microsoft.com/office/powerpoint/2010/main" val="2419724206"/>
+      </p:ext>
+    </p:extLst>
+  </p:cSld>
+  <p:clrMapOvr>
+    <a:masterClrMapping/>
+  </p:clrMapOvr>
+</p:sld>
+</file>
+
+<file path=ppt/slides/slide14.xml><?xml version="1.0" encoding="utf-8"?>
+<p:sld xmlns:a="http://schemas.openxmlformats.org/drawingml/2006/main" xmlns:r="http://schemas.openxmlformats.org/officeDocument/2006/relationships" xmlns:p="http://schemas.openxmlformats.org/presentationml/2006/main">
+  <p:cSld>
+    <p:spTree>
+      <p:nvGrpSpPr>
+        <p:cNvPr id="1" name=""/>
+        <p:cNvGrpSpPr/>
+        <p:nvPr/>
+      </p:nvGrpSpPr>
+      <p:grpSpPr>
+        <a:xfrm>
+          <a:off x="0" y="0"/>
+          <a:ext cx="0" cy="0"/>
+          <a:chOff x="0" y="0"/>
+          <a:chExt cx="0" cy="0"/>
+        </a:xfrm>
+      </p:grpSpPr>
+      <p:sp useBgFill="1">
+        <p:nvSpPr>
+          <p:cNvPr id="27" name="Background Fill">
+            <a:extLst>
+              <a:ext uri="{FF2B5EF4-FFF2-40B4-BE49-F238E27FC236}">
+                <a16:creationId xmlns:a16="http://schemas.microsoft.com/office/drawing/2014/main" id="{B937640E-EF7A-4A6C-A950-D12B7D5C923E}"/>
+              </a:ext>
+              <a:ext uri="{C183D7F6-B498-43B3-948B-1728B52AA6E4}">
+                <adec:decorative xmlns:adec="http://schemas.microsoft.com/office/drawing/2017/decorative" val="1"/>
+              </a:ext>
+            </a:extLst>
+          </p:cNvPr>
+          <p:cNvSpPr>
+            <a:spLocks noGrp="1" noRot="1" noChangeAspect="1" noMove="1" noResize="1" noEditPoints="1" noAdjustHandles="1" noChangeArrowheads="1" noChangeShapeType="1" noTextEdit="1"/>
+          </p:cNvSpPr>
+          <p:nvPr>
+            <p:extLst>
+              <p:ext uri="{386F3935-93C4-4BCD-93E2-E3B085C9AB24}">
+                <p16:designElem xmlns:p16="http://schemas.microsoft.com/office/powerpoint/2015/main" val="1"/>
+              </p:ext>
+            </p:extLst>
+          </p:nvPr>
+        </p:nvSpPr>
+        <p:spPr>
+          <a:xfrm>
+            <a:off x="0" y="0"/>
+            <a:ext cx="12188952" cy="6858000"/>
+          </a:xfrm>
+          <a:prstGeom prst="rect">
+            <a:avLst/>
+          </a:prstGeom>
+          <a:ln>
+            <a:noFill/>
+          </a:ln>
+        </p:spPr>
+        <p:style>
+          <a:lnRef idx="2">
+            <a:schemeClr val="accent1">
+              <a:shade val="50000"/>
+            </a:schemeClr>
+          </a:lnRef>
+          <a:fillRef idx="1">
+            <a:schemeClr val="accent1"/>
+          </a:fillRef>
+          <a:effectRef idx="0">
+            <a:schemeClr val="accent1"/>
+          </a:effectRef>
+          <a:fontRef idx="minor">
+            <a:schemeClr val="lt1"/>
+          </a:fontRef>
+        </p:style>
+        <p:txBody>
+          <a:bodyPr rtlCol="0" anchor="ctr"/>
+          <a:lstStyle/>
+          <a:p>
+            <a:pPr algn="ctr"/>
+            <a:endParaRPr lang="en-US"/>
+          </a:p>
+        </p:txBody>
+      </p:sp>
+      <p:sp>
+        <p:nvSpPr>
+          <p:cNvPr id="29" name="Rectangle 28">
+            <a:extLst>
+              <a:ext uri="{FF2B5EF4-FFF2-40B4-BE49-F238E27FC236}">
+                <a16:creationId xmlns:a16="http://schemas.microsoft.com/office/drawing/2014/main" id="{2D7B8C8D-303A-4A32-9B89-7D0C614A99E1}"/>
+              </a:ext>
+              <a:ext uri="{C183D7F6-B498-43B3-948B-1728B52AA6E4}">
+                <adec:decorative xmlns:adec="http://schemas.microsoft.com/office/drawing/2017/decorative" val="1"/>
+              </a:ext>
+            </a:extLst>
+          </p:cNvPr>
+          <p:cNvSpPr>
+            <a:spLocks noGrp="1" noRot="1" noChangeAspect="1" noMove="1" noResize="1" noEditPoints="1" noAdjustHandles="1" noChangeArrowheads="1" noChangeShapeType="1" noTextEdit="1"/>
+          </p:cNvSpPr>
+          <p:nvPr>
+            <p:extLst>
+              <p:ext uri="{386F3935-93C4-4BCD-93E2-E3B085C9AB24}">
+                <p16:designElem xmlns:p16="http://schemas.microsoft.com/office/powerpoint/2015/main" val="1"/>
+              </p:ext>
+            </p:extLst>
+          </p:nvPr>
+        </p:nvSpPr>
+        <p:spPr>
+          <a:xfrm>
+            <a:off x="0" y="0"/>
+            <a:ext cx="12192001" cy="6858000"/>
+          </a:xfrm>
+          <a:prstGeom prst="rect">
+            <a:avLst/>
+          </a:prstGeom>
+          <a:solidFill>
+            <a:srgbClr val="AEAEAE">
+              <a:alpha val="10000"/>
+            </a:srgbClr>
+          </a:solidFill>
+          <a:ln>
+            <a:noFill/>
+          </a:ln>
+        </p:spPr>
+        <p:style>
+          <a:lnRef idx="2">
+            <a:schemeClr val="accent1">
+              <a:shade val="50000"/>
+            </a:schemeClr>
+          </a:lnRef>
+          <a:fillRef idx="1">
+            <a:schemeClr val="accent1"/>
+          </a:fillRef>
+          <a:effectRef idx="0">
+            <a:schemeClr val="accent1"/>
+          </a:effectRef>
+          <a:fontRef idx="minor">
+            <a:schemeClr val="lt1"/>
+          </a:fontRef>
+        </p:style>
+        <p:txBody>
+          <a:bodyPr rtlCol="0" anchor="ctr"/>
+          <a:lstStyle/>
+          <a:p>
+            <a:pPr algn="ctr"/>
+            <a:endParaRPr lang="en-US" dirty="0"/>
+          </a:p>
+        </p:txBody>
+      </p:sp>
+      <p:pic>
+        <p:nvPicPr>
           <p:cNvPr id="5" name="Espaço Reservado para Conteúdo 4" descr="Logotipo&#10;&#10;Descrição gerada automaticamente com confiança média">
             <a:extLst>
               <a:ext uri="{FF2B5EF4-FFF2-40B4-BE49-F238E27FC236}">
@@ -7094,7 +7612,7 @@
 </p:sld>
 </file>
 
-<file path=ppt/slides/slide14.xml><?xml version="1.0" encoding="utf-8"?>
+<file path=ppt/slides/slide15.xml><?xml version="1.0" encoding="utf-8"?>
 <p:sld xmlns:a="http://schemas.openxmlformats.org/drawingml/2006/main" xmlns:r="http://schemas.openxmlformats.org/officeDocument/2006/relationships" xmlns:p="http://schemas.openxmlformats.org/presentationml/2006/main">
   <p:cSld>
     <p:spTree>
@@ -10321,77 +10839,6 @@
       </p:pic>
       <p:pic>
         <p:nvPicPr>
-          <p:cNvPr id="18" name="Imagem 17" descr="Gráfico, Gráfico de barras&#10;&#10;Descrição gerada automaticamente">
-            <a:extLst>
-              <a:ext uri="{FF2B5EF4-FFF2-40B4-BE49-F238E27FC236}">
-                <a16:creationId xmlns:a16="http://schemas.microsoft.com/office/drawing/2014/main" id="{EAF6E737-9B4B-C894-2EA2-7C5B13DCA6C2}"/>
-              </a:ext>
-            </a:extLst>
-          </p:cNvPr>
-          <p:cNvPicPr>
-            <a:picLocks noChangeAspect="1"/>
-          </p:cNvPicPr>
-          <p:nvPr/>
-        </p:nvPicPr>
-        <p:blipFill>
-          <a:blip r:embed="rId3">
-            <a:extLst>
-              <a:ext uri="{28A0092B-C50C-407E-A947-70E740481C1C}">
-                <a14:useLocalDpi xmlns:a14="http://schemas.microsoft.com/office/drawing/2010/main" val="0"/>
-              </a:ext>
-            </a:extLst>
-          </a:blip>
-          <a:stretch>
-            <a:fillRect/>
-          </a:stretch>
-        </p:blipFill>
-        <p:spPr>
-          <a:xfrm>
-            <a:off x="4042931" y="1375380"/>
-            <a:ext cx="7863289" cy="5149976"/>
-          </a:xfrm>
-          <a:prstGeom prst="rect">
-            <a:avLst/>
-          </a:prstGeom>
-        </p:spPr>
-      </p:pic>
-      <p:sp>
-        <p:nvSpPr>
-          <p:cNvPr id="20" name="CaixaDeTexto 19">
-            <a:extLst>
-              <a:ext uri="{FF2B5EF4-FFF2-40B4-BE49-F238E27FC236}">
-                <a16:creationId xmlns:a16="http://schemas.microsoft.com/office/drawing/2014/main" id="{3DF08B0B-5D5C-07F6-09E9-839A22353525}"/>
-              </a:ext>
-            </a:extLst>
-          </p:cNvPr>
-          <p:cNvSpPr txBox="1"/>
-          <p:nvPr/>
-        </p:nvSpPr>
-        <p:spPr>
-          <a:xfrm>
-            <a:off x="4037292" y="923731"/>
-            <a:ext cx="5411755" cy="369332"/>
-          </a:xfrm>
-          <a:prstGeom prst="rect">
-            <a:avLst/>
-          </a:prstGeom>
-          <a:noFill/>
-        </p:spPr>
-        <p:txBody>
-          <a:bodyPr wrap="square" rtlCol="0">
-            <a:spAutoFit/>
-          </a:bodyPr>
-          <a:lstStyle/>
-          <a:p>
-            <a:r>
-              <a:rPr lang="pt-BR" b="1" dirty="0"/>
-              <a:t>Renda x Aquisição do produto</a:t>
-            </a:r>
-          </a:p>
-        </p:txBody>
-      </p:sp>
-      <p:pic>
-        <p:nvPicPr>
           <p:cNvPr id="23" name="Espaço Reservado para Conteúdo 4" descr="Logotipo&#10;&#10;Descrição gerada automaticamente com confiança média">
             <a:extLst>
               <a:ext uri="{FF2B5EF4-FFF2-40B4-BE49-F238E27FC236}">
@@ -10405,7 +10852,7 @@
           <p:nvPr/>
         </p:nvPicPr>
         <p:blipFill rotWithShape="1">
-          <a:blip r:embed="rId4">
+          <a:blip r:embed="rId3">
             <a:extLst>
               <a:ext uri="{28A0092B-C50C-407E-A947-70E740481C1C}">
                 <a14:useLocalDpi xmlns:a14="http://schemas.microsoft.com/office/drawing/2010/main" val="0"/>
@@ -10508,7 +10955,7 @@
           <p:nvPr/>
         </p:nvPicPr>
         <p:blipFill>
-          <a:blip r:embed="rId5">
+          <a:blip r:embed="rId4">
             <a:extLst>
               <a:ext uri="{28A0092B-C50C-407E-A947-70E740481C1C}">
                 <a14:useLocalDpi xmlns:a14="http://schemas.microsoft.com/office/drawing/2010/main" val="0"/>
@@ -10643,6 +11090,128 @@
               </a:path>
             </a:pathLst>
           </a:custGeom>
+        </p:spPr>
+      </p:pic>
+      <p:sp>
+        <p:nvSpPr>
+          <p:cNvPr id="2" name="Título 1">
+            <a:extLst>
+              <a:ext uri="{FF2B5EF4-FFF2-40B4-BE49-F238E27FC236}">
+                <a16:creationId xmlns:a16="http://schemas.microsoft.com/office/drawing/2014/main" id="{E39DA2AB-969B-6F8E-218B-973894E336F0}"/>
+              </a:ext>
+            </a:extLst>
+          </p:cNvPr>
+          <p:cNvSpPr>
+            <a:spLocks noGrp="1"/>
+          </p:cNvSpPr>
+          <p:nvPr>
+            <p:ph type="title"/>
+          </p:nvPr>
+        </p:nvSpPr>
+        <p:spPr>
+          <a:xfrm>
+            <a:off x="3722759" y="-343"/>
+            <a:ext cx="6766621" cy="1325563"/>
+          </a:xfrm>
+        </p:spPr>
+        <p:txBody>
+          <a:bodyPr vert="horz" lIns="91440" tIns="45720" rIns="91440" bIns="45720" rtlCol="0" anchor="b">
+            <a:normAutofit fontScale="90000"/>
+          </a:bodyPr>
+          <a:lstStyle/>
+          <a:p>
+            <a:r>
+              <a:rPr lang="en-US" kern="1200" dirty="0">
+                <a:solidFill>
+                  <a:schemeClr val="tx1"/>
+                </a:solidFill>
+                <a:latin typeface="+mj-lt"/>
+                <a:ea typeface="+mj-ea"/>
+                <a:cs typeface="+mj-cs"/>
+              </a:rPr>
+              <a:t>Por que um </a:t>
+            </a:r>
+            <a:r>
+              <a:rPr lang="en-US" kern="1200" dirty="0" err="1">
+                <a:solidFill>
+                  <a:schemeClr val="tx1"/>
+                </a:solidFill>
+                <a:latin typeface="+mj-lt"/>
+                <a:ea typeface="+mj-ea"/>
+                <a:cs typeface="+mj-cs"/>
+              </a:rPr>
+              <a:t>retorno</a:t>
+            </a:r>
+            <a:r>
+              <a:rPr lang="en-US" kern="1200" dirty="0">
+                <a:solidFill>
+                  <a:schemeClr val="tx1"/>
+                </a:solidFill>
+                <a:latin typeface="+mj-lt"/>
+                <a:ea typeface="+mj-ea"/>
+                <a:cs typeface="+mj-cs"/>
+              </a:rPr>
+              <a:t> </a:t>
+            </a:r>
+            <a:r>
+              <a:rPr lang="en-US" kern="1200" dirty="0" err="1">
+                <a:solidFill>
+                  <a:schemeClr val="tx1"/>
+                </a:solidFill>
+                <a:latin typeface="+mj-lt"/>
+                <a:ea typeface="+mj-ea"/>
+                <a:cs typeface="+mj-cs"/>
+              </a:rPr>
+              <a:t>Baixo</a:t>
+            </a:r>
+            <a:r>
+              <a:rPr lang="en-US" kern="1200" dirty="0">
+                <a:solidFill>
+                  <a:schemeClr val="tx1"/>
+                </a:solidFill>
+                <a:latin typeface="+mj-lt"/>
+                <a:ea typeface="+mj-ea"/>
+                <a:cs typeface="+mj-cs"/>
+              </a:rPr>
+              <a:t>?</a:t>
+            </a:r>
+          </a:p>
+        </p:txBody>
+      </p:sp>
+      <p:pic>
+        <p:nvPicPr>
+          <p:cNvPr id="4" name="Imagem 3" descr="Logotipo, Ícone&#10;&#10;Descrição gerada automaticamente">
+            <a:extLst>
+              <a:ext uri="{FF2B5EF4-FFF2-40B4-BE49-F238E27FC236}">
+                <a16:creationId xmlns:a16="http://schemas.microsoft.com/office/drawing/2014/main" id="{22C99959-F8C9-80EC-AAD7-5737FE9B5C61}"/>
+              </a:ext>
+            </a:extLst>
+          </p:cNvPr>
+          <p:cNvPicPr>
+            <a:picLocks noChangeAspect="1"/>
+          </p:cNvPicPr>
+          <p:nvPr/>
+        </p:nvPicPr>
+        <p:blipFill>
+          <a:blip r:embed="rId5">
+            <a:extLst>
+              <a:ext uri="{28A0092B-C50C-407E-A947-70E740481C1C}">
+                <a14:useLocalDpi xmlns:a14="http://schemas.microsoft.com/office/drawing/2010/main" val="0"/>
+              </a:ext>
+            </a:extLst>
+          </a:blip>
+          <a:stretch>
+            <a:fillRect/>
+          </a:stretch>
+        </p:blipFill>
+        <p:spPr>
+          <a:xfrm>
+            <a:off x="5060920" y="1498734"/>
+            <a:ext cx="4876190" cy="4876190"/>
+          </a:xfrm>
+          <a:prstGeom prst="rect">
+            <a:avLst/>
+          </a:prstGeom>
         </p:spPr>
       </p:pic>
     </p:spTree>
@@ -10838,10 +11407,10 @@
       </p:pic>
       <p:pic>
         <p:nvPicPr>
-          <p:cNvPr id="14" name="Imagem 13" descr="Gráfico, Gráfico de barras&#10;&#10;Descrição gerada automaticamente">
-            <a:extLst>
-              <a:ext uri="{FF2B5EF4-FFF2-40B4-BE49-F238E27FC236}">
-                <a16:creationId xmlns:a16="http://schemas.microsoft.com/office/drawing/2014/main" id="{B740F1D0-B792-BF3B-DD64-9B166B7A4570}"/>
+          <p:cNvPr id="18" name="Imagem 17" descr="Gráfico, Gráfico de barras&#10;&#10;Descrição gerada automaticamente">
+            <a:extLst>
+              <a:ext uri="{FF2B5EF4-FFF2-40B4-BE49-F238E27FC236}">
+                <a16:creationId xmlns:a16="http://schemas.microsoft.com/office/drawing/2014/main" id="{EAF6E737-9B4B-C894-2EA2-7C5B13DCA6C2}"/>
               </a:ext>
             </a:extLst>
           </p:cNvPr>
@@ -10864,8 +11433,8 @@
         </p:blipFill>
         <p:spPr>
           <a:xfrm>
-            <a:off x="4015290" y="1128041"/>
-            <a:ext cx="7881249" cy="5603313"/>
+            <a:off x="4042931" y="1375380"/>
+            <a:ext cx="7863289" cy="5149976"/>
           </a:xfrm>
           <a:prstGeom prst="rect">
             <a:avLst/>
@@ -10874,10 +11443,10 @@
       </p:pic>
       <p:sp>
         <p:nvSpPr>
-          <p:cNvPr id="15" name="CaixaDeTexto 14">
-            <a:extLst>
-              <a:ext uri="{FF2B5EF4-FFF2-40B4-BE49-F238E27FC236}">
-                <a16:creationId xmlns:a16="http://schemas.microsoft.com/office/drawing/2014/main" id="{DDA1FD4D-48A8-1B9E-0638-D22989A70C8F}"/>
+          <p:cNvPr id="20" name="CaixaDeTexto 19">
+            <a:extLst>
+              <a:ext uri="{FF2B5EF4-FFF2-40B4-BE49-F238E27FC236}">
+                <a16:creationId xmlns:a16="http://schemas.microsoft.com/office/drawing/2014/main" id="{3DF08B0B-5D5C-07F6-09E9-839A22353525}"/>
               </a:ext>
             </a:extLst>
           </p:cNvPr>
@@ -10886,7 +11455,7 @@
         </p:nvSpPr>
         <p:spPr>
           <a:xfrm>
-            <a:off x="4015290" y="716057"/>
+            <a:off x="4037292" y="923731"/>
             <a:ext cx="5411755" cy="369332"/>
           </a:xfrm>
           <a:prstGeom prst="rect">
@@ -10902,17 +11471,17 @@
           <a:p>
             <a:r>
               <a:rPr lang="pt-BR" b="1" dirty="0"/>
-              <a:t>Nível de escolaridade x Aquisição de produto</a:t>
+              <a:t>Renda x Aquisição do produto</a:t>
             </a:r>
           </a:p>
         </p:txBody>
       </p:sp>
       <p:pic>
         <p:nvPicPr>
-          <p:cNvPr id="18" name="Espaço Reservado para Conteúdo 4" descr="Logotipo&#10;&#10;Descrição gerada automaticamente com confiança média">
-            <a:extLst>
-              <a:ext uri="{FF2B5EF4-FFF2-40B4-BE49-F238E27FC236}">
-                <a16:creationId xmlns:a16="http://schemas.microsoft.com/office/drawing/2014/main" id="{5D21CD08-3A9B-5A3C-EC44-78F33492ED19}"/>
+          <p:cNvPr id="23" name="Espaço Reservado para Conteúdo 4" descr="Logotipo&#10;&#10;Descrição gerada automaticamente com confiança média">
+            <a:extLst>
+              <a:ext uri="{FF2B5EF4-FFF2-40B4-BE49-F238E27FC236}">
+                <a16:creationId xmlns:a16="http://schemas.microsoft.com/office/drawing/2014/main" id="{991B6FEA-76C9-E2CF-0181-2E7BCA2D7E0E}"/>
               </a:ext>
             </a:extLst>
           </p:cNvPr>
@@ -11012,10 +11581,10 @@
       </p:pic>
       <p:pic>
         <p:nvPicPr>
-          <p:cNvPr id="19" name="Imagem 18">
-            <a:extLst>
-              <a:ext uri="{FF2B5EF4-FFF2-40B4-BE49-F238E27FC236}">
-                <a16:creationId xmlns:a16="http://schemas.microsoft.com/office/drawing/2014/main" id="{61D90982-74A9-DF04-B775-527F93812319}"/>
+          <p:cNvPr id="24" name="Imagem 23">
+            <a:extLst>
+              <a:ext uri="{FF2B5EF4-FFF2-40B4-BE49-F238E27FC236}">
+                <a16:creationId xmlns:a16="http://schemas.microsoft.com/office/drawing/2014/main" id="{C8C942B5-1159-BA6C-B9EC-3618F35BBB11}"/>
               </a:ext>
             </a:extLst>
           </p:cNvPr>
@@ -11165,7 +11734,7 @@
     </p:spTree>
     <p:extLst>
       <p:ext uri="{BB962C8B-B14F-4D97-AF65-F5344CB8AC3E}">
-        <p14:creationId xmlns:p14="http://schemas.microsoft.com/office/powerpoint/2010/main" val="2433807403"/>
+        <p14:creationId xmlns:p14="http://schemas.microsoft.com/office/powerpoint/2010/main" val="485413523"/>
       </p:ext>
     </p:extLst>
   </p:cSld>
@@ -11355,10 +11924,10 @@
       </p:pic>
       <p:pic>
         <p:nvPicPr>
-          <p:cNvPr id="3" name="Imagem 2" descr="Gráfico&#10;&#10;Descrição gerada automaticamente">
-            <a:extLst>
-              <a:ext uri="{FF2B5EF4-FFF2-40B4-BE49-F238E27FC236}">
-                <a16:creationId xmlns:a16="http://schemas.microsoft.com/office/drawing/2014/main" id="{57FDDD67-A2DA-DE70-A7C1-333D0EC28E74}"/>
+          <p:cNvPr id="14" name="Imagem 13" descr="Gráfico, Gráfico de barras&#10;&#10;Descrição gerada automaticamente">
+            <a:extLst>
+              <a:ext uri="{FF2B5EF4-FFF2-40B4-BE49-F238E27FC236}">
+                <a16:creationId xmlns:a16="http://schemas.microsoft.com/office/drawing/2014/main" id="{B740F1D0-B792-BF3B-DD64-9B166B7A4570}"/>
               </a:ext>
             </a:extLst>
           </p:cNvPr>
@@ -11381,8 +11950,8 @@
         </p:blipFill>
         <p:spPr>
           <a:xfrm>
-            <a:off x="3950794" y="1276003"/>
-            <a:ext cx="8112877" cy="5208772"/>
+            <a:off x="4015290" y="1128041"/>
+            <a:ext cx="7881249" cy="5603313"/>
           </a:xfrm>
           <a:prstGeom prst="rect">
             <a:avLst/>
@@ -11391,10 +11960,10 @@
       </p:pic>
       <p:sp>
         <p:nvSpPr>
-          <p:cNvPr id="4" name="CaixaDeTexto 3">
-            <a:extLst>
-              <a:ext uri="{FF2B5EF4-FFF2-40B4-BE49-F238E27FC236}">
-                <a16:creationId xmlns:a16="http://schemas.microsoft.com/office/drawing/2014/main" id="{7069F125-BD8D-E6B4-AE6E-6DA6148BC37E}"/>
+          <p:cNvPr id="15" name="CaixaDeTexto 14">
+            <a:extLst>
+              <a:ext uri="{FF2B5EF4-FFF2-40B4-BE49-F238E27FC236}">
+                <a16:creationId xmlns:a16="http://schemas.microsoft.com/office/drawing/2014/main" id="{DDA1FD4D-48A8-1B9E-0638-D22989A70C8F}"/>
               </a:ext>
             </a:extLst>
           </p:cNvPr>
@@ -11403,7 +11972,7 @@
         </p:nvSpPr>
         <p:spPr>
           <a:xfrm>
-            <a:off x="4037292" y="923731"/>
+            <a:off x="4015290" y="716057"/>
             <a:ext cx="5411755" cy="369332"/>
           </a:xfrm>
           <a:prstGeom prst="rect">
@@ -11419,17 +11988,17 @@
           <a:p>
             <a:r>
               <a:rPr lang="pt-BR" b="1" dirty="0"/>
-              <a:t>Número de Filhos x Aquisição do produto</a:t>
+              <a:t>Nível de escolaridade x Aquisição de produto</a:t>
             </a:r>
           </a:p>
         </p:txBody>
       </p:sp>
       <p:pic>
         <p:nvPicPr>
-          <p:cNvPr id="9" name="Espaço Reservado para Conteúdo 4" descr="Logotipo&#10;&#10;Descrição gerada automaticamente com confiança média">
-            <a:extLst>
-              <a:ext uri="{FF2B5EF4-FFF2-40B4-BE49-F238E27FC236}">
-                <a16:creationId xmlns:a16="http://schemas.microsoft.com/office/drawing/2014/main" id="{2DB1C038-B523-BC2C-9356-858A40A89374}"/>
+          <p:cNvPr id="18" name="Espaço Reservado para Conteúdo 4" descr="Logotipo&#10;&#10;Descrição gerada automaticamente com confiança média">
+            <a:extLst>
+              <a:ext uri="{FF2B5EF4-FFF2-40B4-BE49-F238E27FC236}">
+                <a16:creationId xmlns:a16="http://schemas.microsoft.com/office/drawing/2014/main" id="{5D21CD08-3A9B-5A3C-EC44-78F33492ED19}"/>
               </a:ext>
             </a:extLst>
           </p:cNvPr>
@@ -11529,10 +12098,10 @@
       </p:pic>
       <p:pic>
         <p:nvPicPr>
-          <p:cNvPr id="10" name="Imagem 9">
-            <a:extLst>
-              <a:ext uri="{FF2B5EF4-FFF2-40B4-BE49-F238E27FC236}">
-                <a16:creationId xmlns:a16="http://schemas.microsoft.com/office/drawing/2014/main" id="{0E261F6C-0F29-EEED-3BCE-CFD7AE6D0B41}"/>
+          <p:cNvPr id="19" name="Imagem 18">
+            <a:extLst>
+              <a:ext uri="{FF2B5EF4-FFF2-40B4-BE49-F238E27FC236}">
+                <a16:creationId xmlns:a16="http://schemas.microsoft.com/office/drawing/2014/main" id="{61D90982-74A9-DF04-B775-527F93812319}"/>
               </a:ext>
             </a:extLst>
           </p:cNvPr>
@@ -11682,7 +12251,7 @@
     </p:spTree>
     <p:extLst>
       <p:ext uri="{BB962C8B-B14F-4D97-AF65-F5344CB8AC3E}">
-        <p14:creationId xmlns:p14="http://schemas.microsoft.com/office/powerpoint/2010/main" val="2368522996"/>
+        <p14:creationId xmlns:p14="http://schemas.microsoft.com/office/powerpoint/2010/main" val="2433807403"/>
       </p:ext>
     </p:extLst>
   </p:cSld>
@@ -11872,10 +12441,10 @@
       </p:pic>
       <p:pic>
         <p:nvPicPr>
-          <p:cNvPr id="3" name="Imagem 2" descr="Gráfico, Gráfico de dispersão&#10;&#10;Descrição gerada automaticamente">
-            <a:extLst>
-              <a:ext uri="{FF2B5EF4-FFF2-40B4-BE49-F238E27FC236}">
-                <a16:creationId xmlns:a16="http://schemas.microsoft.com/office/drawing/2014/main" id="{28B2CDAD-C7C2-562F-CD07-9B0D92E9C906}"/>
+          <p:cNvPr id="3" name="Imagem 2" descr="Gráfico&#10;&#10;Descrição gerada automaticamente">
+            <a:extLst>
+              <a:ext uri="{FF2B5EF4-FFF2-40B4-BE49-F238E27FC236}">
+                <a16:creationId xmlns:a16="http://schemas.microsoft.com/office/drawing/2014/main" id="{57FDDD67-A2DA-DE70-A7C1-333D0EC28E74}"/>
               </a:ext>
             </a:extLst>
           </p:cNvPr>
@@ -11898,8 +12467,8 @@
         </p:blipFill>
         <p:spPr>
           <a:xfrm>
-            <a:off x="3786442" y="1199923"/>
-            <a:ext cx="8294920" cy="5284852"/>
+            <a:off x="3950794" y="1276003"/>
+            <a:ext cx="8112877" cy="5208772"/>
           </a:xfrm>
           <a:prstGeom prst="rect">
             <a:avLst/>
@@ -11911,7 +12480,7 @@
           <p:cNvPr id="4" name="CaixaDeTexto 3">
             <a:extLst>
               <a:ext uri="{FF2B5EF4-FFF2-40B4-BE49-F238E27FC236}">
-                <a16:creationId xmlns:a16="http://schemas.microsoft.com/office/drawing/2014/main" id="{DB795E64-9273-74D4-0EB9-13A50A71E4CE}"/>
+                <a16:creationId xmlns:a16="http://schemas.microsoft.com/office/drawing/2014/main" id="{7069F125-BD8D-E6B4-AE6E-6DA6148BC37E}"/>
               </a:ext>
             </a:extLst>
           </p:cNvPr>
@@ -11920,8 +12489,8 @@
         </p:nvSpPr>
         <p:spPr>
           <a:xfrm>
-            <a:off x="3786442" y="503532"/>
-            <a:ext cx="5411755" cy="646331"/>
+            <a:off x="4037292" y="923731"/>
+            <a:ext cx="5411755" cy="369332"/>
           </a:xfrm>
           <a:prstGeom prst="rect">
             <a:avLst/>
@@ -11936,7 +12505,7 @@
           <a:p>
             <a:r>
               <a:rPr lang="pt-BR" b="1" dirty="0"/>
-              <a:t>Quantidade de produtos comprados  x Aquisição do produto</a:t>
+              <a:t>Número de Filhos x Aquisição do produto</a:t>
             </a:r>
           </a:p>
         </p:txBody>
@@ -11946,7 +12515,7 @@
           <p:cNvPr id="9" name="Espaço Reservado para Conteúdo 4" descr="Logotipo&#10;&#10;Descrição gerada automaticamente com confiança média">
             <a:extLst>
               <a:ext uri="{FF2B5EF4-FFF2-40B4-BE49-F238E27FC236}">
-                <a16:creationId xmlns:a16="http://schemas.microsoft.com/office/drawing/2014/main" id="{79297C54-49DD-9216-FB0F-622DFE1ADF15}"/>
+                <a16:creationId xmlns:a16="http://schemas.microsoft.com/office/drawing/2014/main" id="{2DB1C038-B523-BC2C-9356-858A40A89374}"/>
               </a:ext>
             </a:extLst>
           </p:cNvPr>
@@ -12049,7 +12618,7 @@
           <p:cNvPr id="10" name="Imagem 9">
             <a:extLst>
               <a:ext uri="{FF2B5EF4-FFF2-40B4-BE49-F238E27FC236}">
-                <a16:creationId xmlns:a16="http://schemas.microsoft.com/office/drawing/2014/main" id="{0CCA84E9-A011-B80E-500B-E368E38F17B5}"/>
+                <a16:creationId xmlns:a16="http://schemas.microsoft.com/office/drawing/2014/main" id="{0E261F6C-0F29-EEED-3BCE-CFD7AE6D0B41}"/>
               </a:ext>
             </a:extLst>
           </p:cNvPr>
@@ -12199,7 +12768,7 @@
     </p:spTree>
     <p:extLst>
       <p:ext uri="{BB962C8B-B14F-4D97-AF65-F5344CB8AC3E}">
-        <p14:creationId xmlns:p14="http://schemas.microsoft.com/office/powerpoint/2010/main" val="3231391937"/>
+        <p14:creationId xmlns:p14="http://schemas.microsoft.com/office/powerpoint/2010/main" val="2368522996"/>
       </p:ext>
     </p:extLst>
   </p:cSld>
@@ -12389,10 +12958,10 @@
       </p:pic>
       <p:pic>
         <p:nvPicPr>
-          <p:cNvPr id="4" name="Imagem 3" descr="Gráfico&#10;&#10;Descrição gerada automaticamente">
-            <a:extLst>
-              <a:ext uri="{FF2B5EF4-FFF2-40B4-BE49-F238E27FC236}">
-                <a16:creationId xmlns:a16="http://schemas.microsoft.com/office/drawing/2014/main" id="{8CE04AB9-7C57-E0B7-3CA9-1A316EAEE68D}"/>
+          <p:cNvPr id="3" name="Imagem 2" descr="Gráfico, Gráfico de dispersão&#10;&#10;Descrição gerada automaticamente">
+            <a:extLst>
+              <a:ext uri="{FF2B5EF4-FFF2-40B4-BE49-F238E27FC236}">
+                <a16:creationId xmlns:a16="http://schemas.microsoft.com/office/drawing/2014/main" id="{28B2CDAD-C7C2-562F-CD07-9B0D92E9C906}"/>
               </a:ext>
             </a:extLst>
           </p:cNvPr>
@@ -12415,8 +12984,8 @@
         </p:blipFill>
         <p:spPr>
           <a:xfrm>
-            <a:off x="4003456" y="1140642"/>
-            <a:ext cx="8016921" cy="5418389"/>
+            <a:off x="3786442" y="1199923"/>
+            <a:ext cx="8294920" cy="5284852"/>
           </a:xfrm>
           <a:prstGeom prst="rect">
             <a:avLst/>
@@ -12425,10 +12994,10 @@
       </p:pic>
       <p:sp>
         <p:nvSpPr>
-          <p:cNvPr id="6" name="CaixaDeTexto 5">
-            <a:extLst>
-              <a:ext uri="{FF2B5EF4-FFF2-40B4-BE49-F238E27FC236}">
-                <a16:creationId xmlns:a16="http://schemas.microsoft.com/office/drawing/2014/main" id="{34ABA6CE-4C35-D2D2-624F-3383D8237312}"/>
+          <p:cNvPr id="4" name="CaixaDeTexto 3">
+            <a:extLst>
+              <a:ext uri="{FF2B5EF4-FFF2-40B4-BE49-F238E27FC236}">
+                <a16:creationId xmlns:a16="http://schemas.microsoft.com/office/drawing/2014/main" id="{DB795E64-9273-74D4-0EB9-13A50A71E4CE}"/>
               </a:ext>
             </a:extLst>
           </p:cNvPr>
@@ -12437,8 +13006,8 @@
         </p:nvSpPr>
         <p:spPr>
           <a:xfrm>
-            <a:off x="3915994" y="657007"/>
-            <a:ext cx="5411755" cy="369332"/>
+            <a:off x="3786442" y="503532"/>
+            <a:ext cx="5411755" cy="646331"/>
           </a:xfrm>
           <a:prstGeom prst="rect">
             <a:avLst/>
@@ -12453,17 +13022,17 @@
           <a:p>
             <a:r>
               <a:rPr lang="pt-BR" b="1" dirty="0"/>
-              <a:t>Data de cadastro x Aquisição do produto</a:t>
+              <a:t>Quantidade de produtos comprados  x Aquisição do produto</a:t>
             </a:r>
           </a:p>
         </p:txBody>
       </p:sp>
       <p:pic>
         <p:nvPicPr>
-          <p:cNvPr id="10" name="Espaço Reservado para Conteúdo 4" descr="Logotipo&#10;&#10;Descrição gerada automaticamente com confiança média">
-            <a:extLst>
-              <a:ext uri="{FF2B5EF4-FFF2-40B4-BE49-F238E27FC236}">
-                <a16:creationId xmlns:a16="http://schemas.microsoft.com/office/drawing/2014/main" id="{F7E71799-0602-3B92-011D-2F555FA7F6F0}"/>
+          <p:cNvPr id="9" name="Espaço Reservado para Conteúdo 4" descr="Logotipo&#10;&#10;Descrição gerada automaticamente com confiança média">
+            <a:extLst>
+              <a:ext uri="{FF2B5EF4-FFF2-40B4-BE49-F238E27FC236}">
+                <a16:creationId xmlns:a16="http://schemas.microsoft.com/office/drawing/2014/main" id="{79297C54-49DD-9216-FB0F-622DFE1ADF15}"/>
               </a:ext>
             </a:extLst>
           </p:cNvPr>
@@ -12563,10 +13132,10 @@
       </p:pic>
       <p:pic>
         <p:nvPicPr>
-          <p:cNvPr id="12" name="Imagem 11">
-            <a:extLst>
-              <a:ext uri="{FF2B5EF4-FFF2-40B4-BE49-F238E27FC236}">
-                <a16:creationId xmlns:a16="http://schemas.microsoft.com/office/drawing/2014/main" id="{CFA29C9B-95C4-9DCD-3151-0FD8D0517CEB}"/>
+          <p:cNvPr id="10" name="Imagem 9">
+            <a:extLst>
+              <a:ext uri="{FF2B5EF4-FFF2-40B4-BE49-F238E27FC236}">
+                <a16:creationId xmlns:a16="http://schemas.microsoft.com/office/drawing/2014/main" id="{0CCA84E9-A011-B80E-500B-E368E38F17B5}"/>
               </a:ext>
             </a:extLst>
           </p:cNvPr>
@@ -12716,7 +13285,7 @@
     </p:spTree>
     <p:extLst>
       <p:ext uri="{BB962C8B-B14F-4D97-AF65-F5344CB8AC3E}">
-        <p14:creationId xmlns:p14="http://schemas.microsoft.com/office/powerpoint/2010/main" val="2155083292"/>
+        <p14:creationId xmlns:p14="http://schemas.microsoft.com/office/powerpoint/2010/main" val="3231391937"/>
       </p:ext>
     </p:extLst>
   </p:cSld>
@@ -13103,15 +13672,15 @@
 <file path=customXml/itemProps3.xml><?xml version="1.0" encoding="utf-8"?>
 <ds:datastoreItem xmlns:ds="http://schemas.openxmlformats.org/officeDocument/2006/customXml" ds:itemID="{05263BD6-CCE9-44DB-9654-95FC36063514}">
   <ds:schemaRefs>
+    <ds:schemaRef ds:uri="http://purl.org/dc/dcmitype/"/>
+    <ds:schemaRef ds:uri="http://www.w3.org/XML/1998/namespace"/>
+    <ds:schemaRef ds:uri="http://purl.org/dc/elements/1.1/"/>
+    <ds:schemaRef ds:uri="fd57773c-274c-4313-8f41-30a2811cd40b"/>
+    <ds:schemaRef ds:uri="http://schemas.microsoft.com/office/2006/metadata/properties"/>
     <ds:schemaRef ds:uri="http://purl.org/dc/terms/"/>
     <ds:schemaRef ds:uri="http://schemas.microsoft.com/office/2006/documentManagement/types"/>
-    <ds:schemaRef ds:uri="http://schemas.microsoft.com/office/2006/metadata/properties"/>
     <ds:schemaRef ds:uri="http://schemas.microsoft.com/office/infopath/2007/PartnerControls"/>
-    <ds:schemaRef ds:uri="http://www.w3.org/XML/1998/namespace"/>
     <ds:schemaRef ds:uri="http://schemas.openxmlformats.org/package/2006/metadata/core-properties"/>
-    <ds:schemaRef ds:uri="fd57773c-274c-4313-8f41-30a2811cd40b"/>
-    <ds:schemaRef ds:uri="http://purl.org/dc/dcmitype/"/>
-    <ds:schemaRef ds:uri="http://purl.org/dc/elements/1.1/"/>
   </ds:schemaRefs>
 </ds:datastoreItem>
 </file>